--- a/app/output/due_diligence_report (4).pptx
+++ b/app/output/due_diligence_report (4).pptx
@@ -12,16 +12,8 @@
     <p:sldId id="260" r:id="rId11"/>
     <p:sldId id="261" r:id="rId12"/>
     <p:sldId id="262" r:id="rId13"/>
-    <p:sldId id="263" r:id="rId14"/>
-    <p:sldId id="264" r:id="rId15"/>
-    <p:sldId id="265" r:id="rId16"/>
-    <p:sldId id="266" r:id="rId17"/>
-    <p:sldId id="267" r:id="rId18"/>
-    <p:sldId id="268" r:id="rId19"/>
-    <p:sldId id="269" r:id="rId20"/>
-    <p:sldId id="270" r:id="rId21"/>
   </p:sldIdLst>
-  <p:sldSz cx="9144000" cy="6858000" type="screen4x3"/>
+  <p:sldSz cx="10972800" cy="6858000" type="screen4x3"/>
   <p:notesSz cx="6858000" cy="9144000"/>
   <p:defaultTextStyle>
     <a:defPPr>
@@ -119,6 +111,228 @@
     </a:lvl9pPr>
   </p:defaultTextStyle>
 </p:presentation>
+</file>
+
+<file path=ppt/charts/chart1.xml><?xml version="1.0" encoding="utf-8"?>
+<c:chartSpace xmlns:c="http://schemas.openxmlformats.org/drawingml/2006/chart" xmlns:a="http://schemas.openxmlformats.org/drawingml/2006/main" xmlns:r="http://schemas.openxmlformats.org/officeDocument/2006/relationships">
+  <c:date1904 val="0"/>
+  <c:roundedCorners val="0"/>
+  <c:chart>
+    <c:title>
+      <c:tx>
+        <c:rich>
+          <a:bodyPr/>
+          <a:lstStyle/>
+          <a:p>
+            <a:r>
+              <a:t>Risk Scores by Topic (0-100)</a:t>
+            </a:r>
+          </a:p>
+        </c:rich>
+      </c:tx>
+      <c:layout/>
+      <c:overlay val="0"/>
+    </c:title>
+    <c:autoTitleDeleted val="0"/>
+    <c:plotArea>
+      <c:layout/>
+      <c:areaChart>
+        <c:grouping val="standard"/>
+        <c:varyColors val="0"/>
+        <c:ser>
+          <c:idx val="0"/>
+          <c:order val="0"/>
+          <c:tx>
+            <c:strRef>
+              <c:f>Sheet1!$B$1</c:f>
+              <c:strCache>
+                <c:ptCount val="1"/>
+                <c:pt idx="0">
+                  <c:v>Risk Score</c:v>
+                </c:pt>
+              </c:strCache>
+            </c:strRef>
+          </c:tx>
+          <c:cat>
+            <c:strRef>
+              <c:f>Sheet1!$A$2:$A$15</c:f>
+              <c:strCache>
+                <c:ptCount val="14"/>
+                <c:pt idx="0">
+                  <c:v>AML / KYC</c:v>
+                </c:pt>
+                <c:pt idx="1">
+                  <c:v>Community &amp; UX</c:v>
+                </c:pt>
+                <c:pt idx="2">
+                  <c:v>Custody &amp; Asset Security</c:v>
+                </c:pt>
+                <c:pt idx="3">
+                  <c:v>Cybersecurity &amp; Data Privacy</c:v>
+                </c:pt>
+                <c:pt idx="4">
+                  <c:v>ESG &amp; Sustainability</c:v>
+                </c:pt>
+                <c:pt idx="5">
+                  <c:v>Financial Health</c:v>
+                </c:pt>
+                <c:pt idx="6">
+                  <c:v>Future Outlook</c:v>
+                </c:pt>
+                <c:pt idx="7">
+                  <c:v>Governance</c:v>
+                </c:pt>
+                <c:pt idx="8">
+                  <c:v>IP &amp; Contracts</c:v>
+                </c:pt>
+                <c:pt idx="9">
+                  <c:v>Legal &amp; Regulatory</c:v>
+                </c:pt>
+                <c:pt idx="10">
+                  <c:v>Risk Management</c:v>
+                </c:pt>
+                <c:pt idx="11">
+                  <c:v>Strategy &amp; Competitive Positioning</c:v>
+                </c:pt>
+                <c:pt idx="12">
+                  <c:v>Technology &amp; Infrastructure</c:v>
+                </c:pt>
+                <c:pt idx="13">
+                  <c:v>Tokenomics &amp; Trading Integrity</c:v>
+                </c:pt>
+              </c:strCache>
+            </c:strRef>
+          </c:cat>
+          <c:val>
+            <c:numRef>
+              <c:f>Sheet1!$B$2:$B$15</c:f>
+              <c:numCache>
+                <c:formatCode>General</c:formatCode>
+                <c:ptCount val="14"/>
+                <c:pt idx="0">
+                  <c:v>100</c:v>
+                </c:pt>
+                <c:pt idx="1">
+                  <c:v>21.599999999999998</c:v>
+                </c:pt>
+                <c:pt idx="2">
+                  <c:v>50.0</c:v>
+                </c:pt>
+                <c:pt idx="3">
+                  <c:v>50.0</c:v>
+                </c:pt>
+                <c:pt idx="4">
+                  <c:v>8.120000000000001</c:v>
+                </c:pt>
+                <c:pt idx="5">
+                  <c:v>32.0</c:v>
+                </c:pt>
+                <c:pt idx="6">
+                  <c:v>9.6</c:v>
+                </c:pt>
+                <c:pt idx="7">
+                  <c:v>43.199999999999996</c:v>
+                </c:pt>
+                <c:pt idx="8">
+                  <c:v>16.8</c:v>
+                </c:pt>
+                <c:pt idx="9">
+                  <c:v>62.5</c:v>
+                </c:pt>
+                <c:pt idx="10">
+                  <c:v>18.0</c:v>
+                </c:pt>
+                <c:pt idx="11">
+                  <c:v>10.8</c:v>
+                </c:pt>
+                <c:pt idx="12">
+                  <c:v>15.18</c:v>
+                </c:pt>
+                <c:pt idx="13">
+                  <c:v>32.4</c:v>
+                </c:pt>
+              </c:numCache>
+            </c:numRef>
+          </c:val>
+        </c:ser>
+        <c:dLbls>
+          <c:showLegendKey val="0"/>
+          <c:showVal val="0"/>
+          <c:showCatName val="0"/>
+          <c:showSerName val="0"/>
+          <c:showPercent val="0"/>
+          <c:showBubbleSize val="0"/>
+        </c:dLbls>
+        <c:axId val="-2101159928"/>
+        <c:axId val="-2100718248"/>
+      </c:areaChart>
+      <c:catAx>
+        <c:axId val="-2101159928"/>
+        <c:scaling>
+          <c:orientation val="minMax"/>
+        </c:scaling>
+        <c:delete val="0"/>
+        <c:axPos val="b"/>
+        <c:numFmt formatCode="General" sourceLinked="1"/>
+        <c:majorTickMark val="out"/>
+        <c:minorTickMark val="none"/>
+        <c:tickLblPos val="nextTo"/>
+        <c:txPr>
+          <a:bodyPr/>
+          <a:lstStyle/>
+          <a:p>
+            <a:pPr>
+              <a:defRPr sz="1000"/>
+            </a:pPr>
+          </a:p>
+        </c:txPr>
+        <c:crossAx val="-2100718248"/>
+        <c:crosses val="autoZero"/>
+        <c:auto val="1"/>
+        <c:lblAlgn val="ctr"/>
+        <c:lblOffset val="100"/>
+        <c:noMultiLvlLbl val="0"/>
+      </c:catAx>
+      <c:valAx>
+        <c:axId val="-2100718248"/>
+        <c:scaling>
+          <c:orientation val="minMax"/>
+        </c:scaling>
+        <c:delete val="0"/>
+        <c:axPos val="l"/>
+        <c:majorGridlines/>
+        <c:numFmt formatCode="General" sourceLinked="1"/>
+        <c:majorTickMark val="out"/>
+        <c:minorTickMark val="none"/>
+        <c:tickLblPos val="nextTo"/>
+        <c:crossAx val="-2101159928"/>
+        <c:crosses val="autoZero"/>
+        <c:crossBetween val="midCat"/>
+      </c:valAx>
+    </c:plotArea>
+    <c:legend>
+      <c:legendPos val="b"/>
+      <c:layout/>
+      <c:overlay val="0"/>
+    </c:legend>
+    <c:plotVisOnly val="1"/>
+    <c:dispBlanksAs val="zero"/>
+    <c:showDLblsOverMax val="0"/>
+  </c:chart>
+  <c:txPr>
+    <a:bodyPr/>
+    <a:lstStyle/>
+    <a:p>
+      <a:pPr>
+        <a:defRPr sz="1800"/>
+      </a:pPr>
+      <a:endParaRPr/>
+    </a:p>
+  </c:txPr>
+  <c:externalData r:id="rId1">
+    <c:autoUpdate val="0"/>
+  </c:externalData>
+</c:chartSpace>
 </file>
 
 <file path=ppt/slideLayouts/slideLayout1.xml><?xml version="1.0" encoding="utf-8"?>
@@ -3095,6 +3309,22 @@
 <file path=ppt/slides/slide1.xml><?xml version="1.0" encoding="utf-8"?>
 <p:sld xmlns:a="http://schemas.openxmlformats.org/drawingml/2006/main" xmlns:p="http://schemas.openxmlformats.org/presentationml/2006/main" xmlns:r="http://schemas.openxmlformats.org/officeDocument/2006/relationships">
   <p:cSld>
+    <p:bg>
+      <p:bgPr>
+        <a:gradFill rotWithShape="1">
+          <a:gsLst>
+            <a:gs pos="0">
+              <a:srgbClr val="FFFFFF"/>
+            </a:gs>
+            <a:gs pos="100000">
+              <a:srgbClr val="FFFFFF"/>
+            </a:gs>
+          </a:gsLst>
+          <a:lin scaled="0"/>
+        </a:gradFill>
+        <a:effectLst/>
+      </p:bgPr>
+    </p:bg>
     <p:spTree>
       <p:nvGrpSpPr>
         <p:cNvPr id="1" name=""/>
@@ -3117,8 +3347,16 @@
           <a:bodyPr/>
           <a:lstStyle/>
           <a:p>
-            <a:r>
-              <a:t>Due Diligence Report</a:t>
+            <a:pPr>
+              <a:defRPr sz="3600" b="1">
+                <a:solidFill>
+                  <a:srgbClr val="365FC7"/>
+                </a:solidFill>
+                <a:latin typeface="Montserrat"/>
+              </a:defRPr>
+            </a:pPr>
+            <a:r>
+              <a:t>the CryptoBazar Due Diligence Analytics</a:t>
             </a:r>
           </a:p>
         </p:txBody>
@@ -3138,89 +3376,78 @@
           <a:bodyPr/>
           <a:lstStyle/>
           <a:p>
-            <a:r>
-              <a:t>Prepared by DueXpert | Date: 2025-04-24</a:t>
-            </a:r>
-          </a:p>
-        </p:txBody>
-      </p:sp>
-    </p:spTree>
-  </p:cSld>
-  <p:clrMapOvr>
-    <a:masterClrMapping/>
-  </p:clrMapOvr>
-</p:sld>
-</file>
-
-<file path=ppt/slides/slide10.xml><?xml version="1.0" encoding="utf-8"?>
-<p:sld xmlns:a="http://schemas.openxmlformats.org/drawingml/2006/main" xmlns:p="http://schemas.openxmlformats.org/presentationml/2006/main" xmlns:r="http://schemas.openxmlformats.org/officeDocument/2006/relationships">
-  <p:cSld>
-    <p:spTree>
-      <p:nvGrpSpPr>
-        <p:cNvPr id="1" name=""/>
-        <p:cNvGrpSpPr/>
-        <p:nvPr/>
-      </p:nvGrpSpPr>
-      <p:grpSpPr/>
-      <p:sp>
-        <p:nvSpPr>
-          <p:cNvPr id="2" name="Rectangle 1"/>
-          <p:cNvSpPr/>
+            <a:pPr>
+              <a:defRPr sz="2000">
+                <a:solidFill>
+                  <a:srgbClr val="000000"/>
+                </a:solidFill>
+                <a:latin typeface="Montserrat"/>
+              </a:defRPr>
+            </a:pPr>
+            <a:r>
+              <a:t>Prepared by DueXpert AI | 2025-05-20</a:t>
+            </a:r>
+          </a:p>
+        </p:txBody>
+      </p:sp>
+      <p:pic>
+        <p:nvPicPr>
+          <p:cNvPr id="4" name="Picture 3" descr="dueexpert.png"/>
+          <p:cNvPicPr>
+            <a:picLocks noChangeAspect="1"/>
+          </p:cNvPicPr>
           <p:nvPr/>
-        </p:nvSpPr>
+        </p:nvPicPr>
+        <p:blipFill>
+          <a:blip r:embed="rId2"/>
+          <a:stretch>
+            <a:fillRect/>
+          </a:stretch>
+        </p:blipFill>
         <p:spPr>
           <a:xfrm>
-            <a:off x="0" y="0"/>
-            <a:ext cx="9144000" cy="548640"/>
+            <a:off x="274320" y="91440"/>
+            <a:ext cx="2342917" cy="548640"/>
           </a:xfrm>
           <a:prstGeom prst="rect">
             <a:avLst/>
           </a:prstGeom>
-          <a:solidFill>
-            <a:srgbClr val="003366"/>
-          </a:solidFill>
         </p:spPr>
-        <p:style>
-          <a:lnRef idx="1">
-            <a:schemeClr val="accent1"/>
-          </a:lnRef>
-          <a:fillRef idx="3">
-            <a:schemeClr val="accent1"/>
-          </a:fillRef>
-          <a:effectRef idx="2">
-            <a:schemeClr val="accent1"/>
-          </a:effectRef>
-          <a:fontRef idx="minor">
-            <a:schemeClr val="lt1"/>
-          </a:fontRef>
-        </p:style>
-        <p:txBody>
-          <a:bodyPr rtlCol="0" anchor="ctr"/>
-          <a:lstStyle/>
-          <a:p>
-            <a:pPr>
-              <a:defRPr b="1" sz="2000">
-                <a:solidFill>
-                  <a:srgbClr val="FFFFFF"/>
-                </a:solidFill>
-              </a:defRPr>
-            </a:pPr>
-            <a:r>
-              <a:t>  IP &amp; Contracts</a:t>
-            </a:r>
-          </a:p>
-        </p:txBody>
-      </p:sp>
-      <p:sp>
-        <p:nvSpPr>
-          <p:cNvPr id="3" name="TextBox 2"/>
+      </p:pic>
+      <p:pic>
+        <p:nvPicPr>
+          <p:cNvPr id="5" name="Picture 4" descr="VALUE.png"/>
+          <p:cNvPicPr>
+            <a:picLocks noChangeAspect="1"/>
+          </p:cNvPicPr>
+          <p:nvPr/>
+        </p:nvPicPr>
+        <p:blipFill>
+          <a:blip r:embed="rId3"/>
+          <a:stretch>
+            <a:fillRect/>
+          </a:stretch>
+        </p:blipFill>
+        <p:spPr>
+          <a:xfrm>
+            <a:off x="9418320" y="6126480"/>
+            <a:ext cx="1405150" cy="548640"/>
+          </a:xfrm>
+          <a:prstGeom prst="rect">
+            <a:avLst/>
+          </a:prstGeom>
+        </p:spPr>
+      </p:pic>
+      <p:sp>
+        <p:nvSpPr>
+          <p:cNvPr id="6" name="TextBox 5"/>
           <p:cNvSpPr txBox="1"/>
           <p:nvPr/>
         </p:nvSpPr>
         <p:spPr>
           <a:xfrm>
-            <a:off x="457200" y="914400"/>
-            <a:ext cx="8229600" cy="1828800"/>
+            <a:off x="457200" y="6400800"/>
+            <a:ext cx="8229600" cy="274320"/>
           </a:xfrm>
           <a:prstGeom prst="rect">
             <a:avLst/>
@@ -3228,1298 +3455,21 @@
           <a:noFill/>
         </p:spPr>
         <p:txBody>
-          <a:bodyPr wrap="square">
-            <a:spAutoFit/>
-          </a:bodyPr>
-          <a:lstStyle/>
-          <a:p>
-            <a:pPr>
-              <a:defRPr b="1" sz="1400"/>
-            </a:pPr>
-            <a:r>
-              <a:t>Summary Findings:</a:t>
-            </a:r>
-          </a:p>
-          <a:p>
-            <a:pPr>
-              <a:defRPr sz="1300"/>
-            </a:pPr>
-            <a:r>
-              <a:t>- After reviewing the provided text, I did not find any specific information about intellectual property (IP) infringement issues</a:t>
-            </a:r>
-          </a:p>
-          <a:p>
-            <a:pPr>
-              <a:defRPr sz="1300"/>
-            </a:pPr>
-            <a:r>
-              <a:t>- There is no mention of IP (Intellectual Property) rights in the provided text</a:t>
-            </a:r>
-          </a:p>
-          <a:p>
-            <a:pPr>
-              <a:defRPr sz="1300"/>
-            </a:pPr>
-            <a:r>
-              <a:t>- The text does not explicitly mention whether smart contracts are audited for vulnerabilities</a:t>
-            </a:r>
-          </a:p>
-        </p:txBody>
-      </p:sp>
-      <p:sp>
-        <p:nvSpPr>
-          <p:cNvPr id="4" name="TextBox 3"/>
-          <p:cNvSpPr txBox="1"/>
-          <p:nvPr/>
-        </p:nvSpPr>
-        <p:spPr>
-          <a:xfrm>
-            <a:off x="457200" y="2926080"/>
-            <a:ext cx="8229600" cy="1371600"/>
-          </a:xfrm>
-          <a:prstGeom prst="rect">
-            <a:avLst/>
-          </a:prstGeom>
-          <a:noFill/>
-        </p:spPr>
-        <p:txBody>
-          <a:bodyPr wrap="square">
-            <a:spAutoFit/>
-          </a:bodyPr>
-          <a:lstStyle/>
-          <a:p>
-            <a:pPr>
-              <a:defRPr b="1" sz="1400"/>
-            </a:pPr>
-            <a:r>
-              <a:t>Key Issues / Missing Info:</a:t>
-            </a:r>
-          </a:p>
-          <a:p>
-            <a:pPr>
-              <a:defRPr sz="1300"/>
-            </a:pPr>
-            <a:r>
-              <a:t>- - What IP assets does the company own, and are they valid?</a:t>
-            </a:r>
-          </a:p>
-        </p:txBody>
-      </p:sp>
-      <p:sp>
-        <p:nvSpPr>
-          <p:cNvPr id="5" name="TextBox 4"/>
-          <p:cNvSpPr txBox="1"/>
-          <p:nvPr/>
-        </p:nvSpPr>
-        <p:spPr>
-          <a:xfrm>
-            <a:off x="457200" y="4572000"/>
-            <a:ext cx="8229600" cy="731520"/>
-          </a:xfrm>
-          <a:prstGeom prst="rect">
-            <a:avLst/>
-          </a:prstGeom>
-          <a:noFill/>
-        </p:spPr>
-        <p:txBody>
-          <a:bodyPr wrap="square">
-            <a:spAutoFit/>
-          </a:bodyPr>
-          <a:lstStyle/>
-          <a:p>
-            <a:pPr>
-              <a:defRPr sz="1300" b="1"/>
-            </a:pPr>
-            <a:r>
-              <a:t>Risk Assessment: Low Risk</a:t>
-            </a:r>
-          </a:p>
-        </p:txBody>
-      </p:sp>
-      <p:sp>
-        <p:nvSpPr>
-          <p:cNvPr id="6" name="TextBox 5"/>
-          <p:cNvSpPr txBox="1"/>
-          <p:nvPr/>
-        </p:nvSpPr>
-        <p:spPr>
-          <a:xfrm>
-            <a:off x="4114800" y="6217920"/>
-            <a:ext cx="1828800" cy="274320"/>
-          </a:xfrm>
-          <a:prstGeom prst="rect">
-            <a:avLst/>
-          </a:prstGeom>
-          <a:noFill/>
-        </p:spPr>
-        <p:txBody>
           <a:bodyPr wrap="none">
             <a:spAutoFit/>
           </a:bodyPr>
           <a:lstStyle/>
           <a:p>
             <a:pPr>
-              <a:defRPr sz="1000">
-                <a:solidFill>
-                  <a:srgbClr val="646464"/>
-                </a:solidFill>
-              </a:defRPr>
-            </a:pPr>
-            <a:r>
-              <a:t>Page 10</a:t>
-            </a:r>
-          </a:p>
-        </p:txBody>
-      </p:sp>
-    </p:spTree>
-  </p:cSld>
-  <p:clrMapOvr>
-    <a:masterClrMapping/>
-  </p:clrMapOvr>
-</p:sld>
-</file>
-
-<file path=ppt/slides/slide11.xml><?xml version="1.0" encoding="utf-8"?>
-<p:sld xmlns:a="http://schemas.openxmlformats.org/drawingml/2006/main" xmlns:p="http://schemas.openxmlformats.org/presentationml/2006/main" xmlns:r="http://schemas.openxmlformats.org/officeDocument/2006/relationships">
-  <p:cSld>
-    <p:spTree>
-      <p:nvGrpSpPr>
-        <p:cNvPr id="1" name=""/>
-        <p:cNvGrpSpPr/>
-        <p:nvPr/>
-      </p:nvGrpSpPr>
-      <p:grpSpPr/>
-      <p:sp>
-        <p:nvSpPr>
-          <p:cNvPr id="2" name="Rectangle 1"/>
-          <p:cNvSpPr/>
-          <p:nvPr/>
-        </p:nvSpPr>
-        <p:spPr>
-          <a:xfrm>
-            <a:off x="0" y="0"/>
-            <a:ext cx="9144000" cy="548640"/>
-          </a:xfrm>
-          <a:prstGeom prst="rect">
-            <a:avLst/>
-          </a:prstGeom>
-          <a:solidFill>
-            <a:srgbClr val="003366"/>
-          </a:solidFill>
-        </p:spPr>
-        <p:style>
-          <a:lnRef idx="1">
-            <a:schemeClr val="accent1"/>
-          </a:lnRef>
-          <a:fillRef idx="3">
-            <a:schemeClr val="accent1"/>
-          </a:fillRef>
-          <a:effectRef idx="2">
-            <a:schemeClr val="accent1"/>
-          </a:effectRef>
-          <a:fontRef idx="minor">
-            <a:schemeClr val="lt1"/>
-          </a:fontRef>
-        </p:style>
-        <p:txBody>
-          <a:bodyPr rtlCol="0" anchor="ctr"/>
-          <a:lstStyle/>
-          <a:p>
-            <a:pPr>
-              <a:defRPr b="1" sz="2000">
-                <a:solidFill>
-                  <a:srgbClr val="FFFFFF"/>
-                </a:solidFill>
-              </a:defRPr>
-            </a:pPr>
-            <a:r>
-              <a:t>  Legal &amp; Regulatory</a:t>
-            </a:r>
-          </a:p>
-        </p:txBody>
-      </p:sp>
-      <p:sp>
-        <p:nvSpPr>
-          <p:cNvPr id="3" name="TextBox 2"/>
-          <p:cNvSpPr txBox="1"/>
-          <p:nvPr/>
-        </p:nvSpPr>
-        <p:spPr>
-          <a:xfrm>
-            <a:off x="457200" y="914400"/>
-            <a:ext cx="8229600" cy="1828800"/>
-          </a:xfrm>
-          <a:prstGeom prst="rect">
-            <a:avLst/>
-          </a:prstGeom>
-          <a:noFill/>
-        </p:spPr>
-        <p:txBody>
-          <a:bodyPr wrap="square">
-            <a:spAutoFit/>
-          </a:bodyPr>
-          <a:lstStyle/>
-          <a:p>
-            <a:pPr>
-              <a:defRPr b="1" sz="1400"/>
-            </a:pPr>
-            <a:r>
-              <a:t>Summary Findings:</a:t>
-            </a:r>
-          </a:p>
-          <a:p>
-            <a:pPr>
-              <a:defRPr sz="1300"/>
-            </a:pPr>
-            <a:r>
-              <a:t>- According to the provided document, the CryptoBazar Fund is a venture fund that invests in blockchain technology and cryptocurrencies</a:t>
-            </a:r>
-          </a:p>
-          <a:p>
-            <a:pPr>
-              <a:defRPr sz="1300"/>
-            </a:pPr>
-            <a:r>
-              <a:t>- After reviewing the provided text, I did not find any information about significant changes in the legal structure of CryptoBazar Fund over time</a:t>
-            </a:r>
-          </a:p>
-          <a:p>
-            <a:pPr>
-              <a:defRPr sz="1300"/>
-            </a:pPr>
-            <a:r>
-              <a:t>- There is no explicit mention of whether all necessary licenses and permits are in place</a:t>
-            </a:r>
-          </a:p>
-        </p:txBody>
-      </p:sp>
-      <p:sp>
-        <p:nvSpPr>
-          <p:cNvPr id="4" name="TextBox 3"/>
-          <p:cNvSpPr txBox="1"/>
-          <p:nvPr/>
-        </p:nvSpPr>
-        <p:spPr>
-          <a:xfrm>
-            <a:off x="457200" y="2926080"/>
-            <a:ext cx="8229600" cy="1371600"/>
-          </a:xfrm>
-          <a:prstGeom prst="rect">
-            <a:avLst/>
-          </a:prstGeom>
-          <a:noFill/>
-        </p:spPr>
-        <p:txBody>
-          <a:bodyPr wrap="square">
-            <a:spAutoFit/>
-          </a:bodyPr>
-          <a:lstStyle/>
-          <a:p>
-            <a:pPr>
-              <a:defRPr b="1" sz="1400"/>
-            </a:pPr>
-            <a:r>
-              <a:t>Key Issues / Missing Info:</a:t>
-            </a:r>
-          </a:p>
-        </p:txBody>
-      </p:sp>
-      <p:sp>
-        <p:nvSpPr>
-          <p:cNvPr id="5" name="TextBox 4"/>
-          <p:cNvSpPr txBox="1"/>
-          <p:nvPr/>
-        </p:nvSpPr>
-        <p:spPr>
-          <a:xfrm>
-            <a:off x="457200" y="4572000"/>
-            <a:ext cx="8229600" cy="731520"/>
-          </a:xfrm>
-          <a:prstGeom prst="rect">
-            <a:avLst/>
-          </a:prstGeom>
-          <a:noFill/>
-        </p:spPr>
-        <p:txBody>
-          <a:bodyPr wrap="square">
-            <a:spAutoFit/>
-          </a:bodyPr>
-          <a:lstStyle/>
-          <a:p>
-            <a:pPr>
-              <a:defRPr sz="1300" b="1"/>
-            </a:pPr>
-            <a:r>
-              <a:t>Risk Assessment: Low Risk</a:t>
-            </a:r>
-          </a:p>
-        </p:txBody>
-      </p:sp>
-      <p:sp>
-        <p:nvSpPr>
-          <p:cNvPr id="6" name="TextBox 5"/>
-          <p:cNvSpPr txBox="1"/>
-          <p:nvPr/>
-        </p:nvSpPr>
-        <p:spPr>
-          <a:xfrm>
-            <a:off x="4114800" y="6217920"/>
-            <a:ext cx="1828800" cy="274320"/>
-          </a:xfrm>
-          <a:prstGeom prst="rect">
-            <a:avLst/>
-          </a:prstGeom>
-          <a:noFill/>
-        </p:spPr>
-        <p:txBody>
-          <a:bodyPr wrap="none">
-            <a:spAutoFit/>
-          </a:bodyPr>
-          <a:lstStyle/>
-          <a:p>
-            <a:pPr>
-              <a:defRPr sz="1000">
-                <a:solidFill>
-                  <a:srgbClr val="646464"/>
-                </a:solidFill>
-              </a:defRPr>
-            </a:pPr>
-            <a:r>
-              <a:t>Page 11</a:t>
-            </a:r>
-          </a:p>
-        </p:txBody>
-      </p:sp>
-    </p:spTree>
-  </p:cSld>
-  <p:clrMapOvr>
-    <a:masterClrMapping/>
-  </p:clrMapOvr>
-</p:sld>
-</file>
-
-<file path=ppt/slides/slide12.xml><?xml version="1.0" encoding="utf-8"?>
-<p:sld xmlns:a="http://schemas.openxmlformats.org/drawingml/2006/main" xmlns:p="http://schemas.openxmlformats.org/presentationml/2006/main" xmlns:r="http://schemas.openxmlformats.org/officeDocument/2006/relationships">
-  <p:cSld>
-    <p:spTree>
-      <p:nvGrpSpPr>
-        <p:cNvPr id="1" name=""/>
-        <p:cNvGrpSpPr/>
-        <p:nvPr/>
-      </p:nvGrpSpPr>
-      <p:grpSpPr/>
-      <p:sp>
-        <p:nvSpPr>
-          <p:cNvPr id="2" name="Rectangle 1"/>
-          <p:cNvSpPr/>
-          <p:nvPr/>
-        </p:nvSpPr>
-        <p:spPr>
-          <a:xfrm>
-            <a:off x="0" y="0"/>
-            <a:ext cx="9144000" cy="548640"/>
-          </a:xfrm>
-          <a:prstGeom prst="rect">
-            <a:avLst/>
-          </a:prstGeom>
-          <a:solidFill>
-            <a:srgbClr val="003366"/>
-          </a:solidFill>
-        </p:spPr>
-        <p:style>
-          <a:lnRef idx="1">
-            <a:schemeClr val="accent1"/>
-          </a:lnRef>
-          <a:fillRef idx="3">
-            <a:schemeClr val="accent1"/>
-          </a:fillRef>
-          <a:effectRef idx="2">
-            <a:schemeClr val="accent1"/>
-          </a:effectRef>
-          <a:fontRef idx="minor">
-            <a:schemeClr val="lt1"/>
-          </a:fontRef>
-        </p:style>
-        <p:txBody>
-          <a:bodyPr rtlCol="0" anchor="ctr"/>
-          <a:lstStyle/>
-          <a:p>
-            <a:pPr>
-              <a:defRPr b="1" sz="2000">
-                <a:solidFill>
-                  <a:srgbClr val="FFFFFF"/>
-                </a:solidFill>
-              </a:defRPr>
-            </a:pPr>
-            <a:r>
-              <a:t>  Risk Management</a:t>
-            </a:r>
-          </a:p>
-        </p:txBody>
-      </p:sp>
-      <p:sp>
-        <p:nvSpPr>
-          <p:cNvPr id="3" name="TextBox 2"/>
-          <p:cNvSpPr txBox="1"/>
-          <p:nvPr/>
-        </p:nvSpPr>
-        <p:spPr>
-          <a:xfrm>
-            <a:off x="457200" y="914400"/>
-            <a:ext cx="8229600" cy="1828800"/>
-          </a:xfrm>
-          <a:prstGeom prst="rect">
-            <a:avLst/>
-          </a:prstGeom>
-          <a:noFill/>
-        </p:spPr>
-        <p:txBody>
-          <a:bodyPr wrap="square">
-            <a:spAutoFit/>
-          </a:bodyPr>
-          <a:lstStyle/>
-          <a:p>
-            <a:pPr>
-              <a:defRPr b="1" sz="1400"/>
-            </a:pPr>
-            <a:r>
-              <a:t>Summary Findings:</a:t>
-            </a:r>
-          </a:p>
-          <a:p>
-            <a:pPr>
-              <a:defRPr sz="1300"/>
-            </a:pPr>
-            <a:r>
-              <a:t>- There is no mention of "conflicts" in the provided text</a:t>
-            </a:r>
-          </a:p>
-          <a:p>
-            <a:pPr>
-              <a:defRPr sz="1300"/>
-            </a:pPr>
-            <a:r>
-              <a:t>- Yes, according to the Risk Warning Notice, there is a mention of "actions of state bodies or trading platforms that regulate Russian and international securities market" as one of the risks that co-in</a:t>
-            </a:r>
-          </a:p>
-          <a:p>
-            <a:pPr>
-              <a:defRPr sz="1300"/>
-            </a:pPr>
-            <a:r>
-              <a:t>- According to the provided document, there is no explicit mention of specific risk management strategies for market volatility</a:t>
-            </a:r>
-          </a:p>
-        </p:txBody>
-      </p:sp>
-      <p:sp>
-        <p:nvSpPr>
-          <p:cNvPr id="4" name="TextBox 3"/>
-          <p:cNvSpPr txBox="1"/>
-          <p:nvPr/>
-        </p:nvSpPr>
-        <p:spPr>
-          <a:xfrm>
-            <a:off x="457200" y="2926080"/>
-            <a:ext cx="8229600" cy="1371600"/>
-          </a:xfrm>
-          <a:prstGeom prst="rect">
-            <a:avLst/>
-          </a:prstGeom>
-          <a:noFill/>
-        </p:spPr>
-        <p:txBody>
-          <a:bodyPr wrap="square">
-            <a:spAutoFit/>
-          </a:bodyPr>
-          <a:lstStyle/>
-          <a:p>
-            <a:pPr>
-              <a:defRPr b="1" sz="1400"/>
-            </a:pPr>
-            <a:r>
-              <a:t>Key Issues / Missing Info:</a:t>
-            </a:r>
-          </a:p>
-          <a:p>
-            <a:pPr>
-              <a:defRPr sz="1300"/>
-            </a:pPr>
-            <a:r>
-              <a:t>- Are there any known vulnerabilities or inefficiencies?</a:t>
-            </a:r>
-          </a:p>
-          <a:p>
-            <a:pPr>
-              <a:defRPr sz="1300"/>
-            </a:pPr>
-            <a:r>
-              <a:t>- - What training programs are in place for employees handling sensitive operations?</a:t>
-            </a:r>
-          </a:p>
-          <a:p>
-            <a:pPr>
-              <a:defRPr sz="1300"/>
-            </a:pPr>
-            <a:r>
-              <a:t>- - Does the company have business interruption insurance?</a:t>
-            </a:r>
-          </a:p>
-        </p:txBody>
-      </p:sp>
-      <p:sp>
-        <p:nvSpPr>
-          <p:cNvPr id="5" name="TextBox 4"/>
-          <p:cNvSpPr txBox="1"/>
-          <p:nvPr/>
-        </p:nvSpPr>
-        <p:spPr>
-          <a:xfrm>
-            <a:off x="457200" y="4572000"/>
-            <a:ext cx="8229600" cy="731520"/>
-          </a:xfrm>
-          <a:prstGeom prst="rect">
-            <a:avLst/>
-          </a:prstGeom>
-          <a:noFill/>
-        </p:spPr>
-        <p:txBody>
-          <a:bodyPr wrap="square">
-            <a:spAutoFit/>
-          </a:bodyPr>
-          <a:lstStyle/>
-          <a:p>
-            <a:pPr>
-              <a:defRPr sz="1300" b="1"/>
-            </a:pPr>
-            <a:r>
-              <a:t>Risk Assessment: Low Risk</a:t>
-            </a:r>
-          </a:p>
-        </p:txBody>
-      </p:sp>
-      <p:sp>
-        <p:nvSpPr>
-          <p:cNvPr id="6" name="TextBox 5"/>
-          <p:cNvSpPr txBox="1"/>
-          <p:nvPr/>
-        </p:nvSpPr>
-        <p:spPr>
-          <a:xfrm>
-            <a:off x="4114800" y="6217920"/>
-            <a:ext cx="1828800" cy="274320"/>
-          </a:xfrm>
-          <a:prstGeom prst="rect">
-            <a:avLst/>
-          </a:prstGeom>
-          <a:noFill/>
-        </p:spPr>
-        <p:txBody>
-          <a:bodyPr wrap="none">
-            <a:spAutoFit/>
-          </a:bodyPr>
-          <a:lstStyle/>
-          <a:p>
-            <a:pPr>
-              <a:defRPr sz="1000">
-                <a:solidFill>
-                  <a:srgbClr val="646464"/>
-                </a:solidFill>
-              </a:defRPr>
-            </a:pPr>
-            <a:r>
-              <a:t>Page 12</a:t>
-            </a:r>
-          </a:p>
-        </p:txBody>
-      </p:sp>
-    </p:spTree>
-  </p:cSld>
-  <p:clrMapOvr>
-    <a:masterClrMapping/>
-  </p:clrMapOvr>
-</p:sld>
-</file>
-
-<file path=ppt/slides/slide13.xml><?xml version="1.0" encoding="utf-8"?>
-<p:sld xmlns:a="http://schemas.openxmlformats.org/drawingml/2006/main" xmlns:p="http://schemas.openxmlformats.org/presentationml/2006/main" xmlns:r="http://schemas.openxmlformats.org/officeDocument/2006/relationships">
-  <p:cSld>
-    <p:spTree>
-      <p:nvGrpSpPr>
-        <p:cNvPr id="1" name=""/>
-        <p:cNvGrpSpPr/>
-        <p:nvPr/>
-      </p:nvGrpSpPr>
-      <p:grpSpPr/>
-      <p:sp>
-        <p:nvSpPr>
-          <p:cNvPr id="2" name="Rectangle 1"/>
-          <p:cNvSpPr/>
-          <p:nvPr/>
-        </p:nvSpPr>
-        <p:spPr>
-          <a:xfrm>
-            <a:off x="0" y="0"/>
-            <a:ext cx="9144000" cy="548640"/>
-          </a:xfrm>
-          <a:prstGeom prst="rect">
-            <a:avLst/>
-          </a:prstGeom>
-          <a:solidFill>
-            <a:srgbClr val="003366"/>
-          </a:solidFill>
-        </p:spPr>
-        <p:style>
-          <a:lnRef idx="1">
-            <a:schemeClr val="accent1"/>
-          </a:lnRef>
-          <a:fillRef idx="3">
-            <a:schemeClr val="accent1"/>
-          </a:fillRef>
-          <a:effectRef idx="2">
-            <a:schemeClr val="accent1"/>
-          </a:effectRef>
-          <a:fontRef idx="minor">
-            <a:schemeClr val="lt1"/>
-          </a:fontRef>
-        </p:style>
-        <p:txBody>
-          <a:bodyPr rtlCol="0" anchor="ctr"/>
-          <a:lstStyle/>
-          <a:p>
-            <a:pPr>
-              <a:defRPr b="1" sz="2000">
-                <a:solidFill>
-                  <a:srgbClr val="FFFFFF"/>
-                </a:solidFill>
-              </a:defRPr>
-            </a:pPr>
-            <a:r>
-              <a:t>  Strategy &amp; Competitive Positioning</a:t>
-            </a:r>
-          </a:p>
-        </p:txBody>
-      </p:sp>
-      <p:sp>
-        <p:nvSpPr>
-          <p:cNvPr id="3" name="TextBox 2"/>
-          <p:cNvSpPr txBox="1"/>
-          <p:nvPr/>
-        </p:nvSpPr>
-        <p:spPr>
-          <a:xfrm>
-            <a:off x="457200" y="914400"/>
-            <a:ext cx="8229600" cy="1828800"/>
-          </a:xfrm>
-          <a:prstGeom prst="rect">
-            <a:avLst/>
-          </a:prstGeom>
-          <a:noFill/>
-        </p:spPr>
-        <p:txBody>
-          <a:bodyPr wrap="square">
-            <a:spAutoFit/>
-          </a:bodyPr>
-          <a:lstStyle/>
-          <a:p>
-            <a:pPr>
-              <a:defRPr b="1" sz="1400"/>
-            </a:pPr>
-            <a:r>
-              <a:t>Summary Findings:</a:t>
-            </a:r>
-          </a:p>
-          <a:p>
-            <a:pPr>
-              <a:defRPr sz="1300"/>
-            </a:pPr>
-            <a:r>
-              <a:t>- After carefully reviewing the document, I've identified some potential pain points and areas for improvement:</a:t>
-            </a:r>
-            <a:br/>
-            <a:br/>
-            <a:r>
-              <a:t>1</a:t>
-            </a:r>
-          </a:p>
-          <a:p>
-            <a:pPr>
-              <a:defRPr sz="1300"/>
-            </a:pPr>
-            <a:r>
-              <a:t>- According to the text, the company, CryptoBazar Fund, has a strong market position in the cryptocurrency and blockchain technology investment space</a:t>
-            </a:r>
-          </a:p>
-          <a:p>
-            <a:pPr>
-              <a:defRPr sz="1300"/>
-            </a:pPr>
-            <a:r>
-              <a:t>- The document doesn't explicitly mention specific competitors or market gaps, but it does provide some information that can be inferred:</a:t>
-            </a:r>
-            <a:br/>
-            <a:br/>
-            <a:r>
-              <a:t>* The CryptoBazar Fund is positioning itself as an alternative</a:t>
-            </a:r>
-          </a:p>
-        </p:txBody>
-      </p:sp>
-      <p:sp>
-        <p:nvSpPr>
-          <p:cNvPr id="4" name="TextBox 3"/>
-          <p:cNvSpPr txBox="1"/>
-          <p:nvPr/>
-        </p:nvSpPr>
-        <p:spPr>
-          <a:xfrm>
-            <a:off x="457200" y="2926080"/>
-            <a:ext cx="8229600" cy="1371600"/>
-          </a:xfrm>
-          <a:prstGeom prst="rect">
-            <a:avLst/>
-          </a:prstGeom>
-          <a:noFill/>
-        </p:spPr>
-        <p:txBody>
-          <a:bodyPr wrap="square">
-            <a:spAutoFit/>
-          </a:bodyPr>
-          <a:lstStyle/>
-          <a:p>
-            <a:pPr>
-              <a:defRPr b="1" sz="1400"/>
-            </a:pPr>
-            <a:r>
-              <a:t>Key Issues / Missing Info:</a:t>
-            </a:r>
-          </a:p>
-        </p:txBody>
-      </p:sp>
-      <p:sp>
-        <p:nvSpPr>
-          <p:cNvPr id="5" name="TextBox 4"/>
-          <p:cNvSpPr txBox="1"/>
-          <p:nvPr/>
-        </p:nvSpPr>
-        <p:spPr>
-          <a:xfrm>
-            <a:off x="457200" y="4572000"/>
-            <a:ext cx="8229600" cy="731520"/>
-          </a:xfrm>
-          <a:prstGeom prst="rect">
-            <a:avLst/>
-          </a:prstGeom>
-          <a:noFill/>
-        </p:spPr>
-        <p:txBody>
-          <a:bodyPr wrap="square">
-            <a:spAutoFit/>
-          </a:bodyPr>
-          <a:lstStyle/>
-          <a:p>
-            <a:pPr>
-              <a:defRPr sz="1300" b="1"/>
-            </a:pPr>
-            <a:r>
-              <a:t>Risk Assessment: Low Risk</a:t>
-            </a:r>
-          </a:p>
-        </p:txBody>
-      </p:sp>
-      <p:sp>
-        <p:nvSpPr>
-          <p:cNvPr id="6" name="TextBox 5"/>
-          <p:cNvSpPr txBox="1"/>
-          <p:nvPr/>
-        </p:nvSpPr>
-        <p:spPr>
-          <a:xfrm>
-            <a:off x="4114800" y="6217920"/>
-            <a:ext cx="1828800" cy="274320"/>
-          </a:xfrm>
-          <a:prstGeom prst="rect">
-            <a:avLst/>
-          </a:prstGeom>
-          <a:noFill/>
-        </p:spPr>
-        <p:txBody>
-          <a:bodyPr wrap="none">
-            <a:spAutoFit/>
-          </a:bodyPr>
-          <a:lstStyle/>
-          <a:p>
-            <a:pPr>
-              <a:defRPr sz="1000">
-                <a:solidFill>
-                  <a:srgbClr val="646464"/>
-                </a:solidFill>
-              </a:defRPr>
-            </a:pPr>
-            <a:r>
-              <a:t>Page 13</a:t>
-            </a:r>
-          </a:p>
-        </p:txBody>
-      </p:sp>
-    </p:spTree>
-  </p:cSld>
-  <p:clrMapOvr>
-    <a:masterClrMapping/>
-  </p:clrMapOvr>
-</p:sld>
-</file>
-
-<file path=ppt/slides/slide14.xml><?xml version="1.0" encoding="utf-8"?>
-<p:sld xmlns:a="http://schemas.openxmlformats.org/drawingml/2006/main" xmlns:p="http://schemas.openxmlformats.org/presentationml/2006/main" xmlns:r="http://schemas.openxmlformats.org/officeDocument/2006/relationships">
-  <p:cSld>
-    <p:spTree>
-      <p:nvGrpSpPr>
-        <p:cNvPr id="1" name=""/>
-        <p:cNvGrpSpPr/>
-        <p:nvPr/>
-      </p:nvGrpSpPr>
-      <p:grpSpPr/>
-      <p:sp>
-        <p:nvSpPr>
-          <p:cNvPr id="2" name="Rectangle 1"/>
-          <p:cNvSpPr/>
-          <p:nvPr/>
-        </p:nvSpPr>
-        <p:spPr>
-          <a:xfrm>
-            <a:off x="0" y="0"/>
-            <a:ext cx="9144000" cy="548640"/>
-          </a:xfrm>
-          <a:prstGeom prst="rect">
-            <a:avLst/>
-          </a:prstGeom>
-          <a:solidFill>
-            <a:srgbClr val="003366"/>
-          </a:solidFill>
-        </p:spPr>
-        <p:style>
-          <a:lnRef idx="1">
-            <a:schemeClr val="accent1"/>
-          </a:lnRef>
-          <a:fillRef idx="3">
-            <a:schemeClr val="accent1"/>
-          </a:fillRef>
-          <a:effectRef idx="2">
-            <a:schemeClr val="accent1"/>
-          </a:effectRef>
-          <a:fontRef idx="minor">
-            <a:schemeClr val="lt1"/>
-          </a:fontRef>
-        </p:style>
-        <p:txBody>
-          <a:bodyPr rtlCol="0" anchor="ctr"/>
-          <a:lstStyle/>
-          <a:p>
-            <a:pPr>
-              <a:defRPr b="1" sz="2000">
-                <a:solidFill>
-                  <a:srgbClr val="FFFFFF"/>
-                </a:solidFill>
-              </a:defRPr>
-            </a:pPr>
-            <a:r>
-              <a:t>  Technology &amp; Infrastructure</a:t>
-            </a:r>
-          </a:p>
-        </p:txBody>
-      </p:sp>
-      <p:sp>
-        <p:nvSpPr>
-          <p:cNvPr id="3" name="TextBox 2"/>
-          <p:cNvSpPr txBox="1"/>
-          <p:nvPr/>
-        </p:nvSpPr>
-        <p:spPr>
-          <a:xfrm>
-            <a:off x="457200" y="914400"/>
-            <a:ext cx="8229600" cy="1828800"/>
-          </a:xfrm>
-          <a:prstGeom prst="rect">
-            <a:avLst/>
-          </a:prstGeom>
-          <a:noFill/>
-        </p:spPr>
-        <p:txBody>
-          <a:bodyPr wrap="square">
-            <a:spAutoFit/>
-          </a:bodyPr>
-          <a:lstStyle/>
-          <a:p>
-            <a:pPr>
-              <a:defRPr b="1" sz="1400"/>
-            </a:pPr>
-            <a:r>
-              <a:t>Summary Findings:</a:t>
-            </a:r>
-          </a:p>
-          <a:p>
-            <a:pPr>
-              <a:defRPr sz="1300"/>
-            </a:pPr>
-            <a:r>
-              <a:t>- Based on the provided text, it appears that there is no explicit information about the primary funding sources for the Cryptobazar Fund</a:t>
-            </a:r>
-          </a:p>
-          <a:p>
-            <a:pPr>
-              <a:defRPr sz="1300"/>
-            </a:pPr>
-            <a:r>
-              <a:t>- According to the provided text, yes, there are plans for future scalability and growth</a:t>
-            </a:r>
-          </a:p>
-          <a:p>
-            <a:pPr>
-              <a:defRPr sz="1300"/>
-            </a:pPr>
-            <a:r>
-              <a:t>- No, there is no mention of energy-intensive mining methods in the provided text</a:t>
-            </a:r>
-          </a:p>
-        </p:txBody>
-      </p:sp>
-      <p:sp>
-        <p:nvSpPr>
-          <p:cNvPr id="4" name="TextBox 3"/>
-          <p:cNvSpPr txBox="1"/>
-          <p:nvPr/>
-        </p:nvSpPr>
-        <p:spPr>
-          <a:xfrm>
-            <a:off x="457200" y="2926080"/>
-            <a:ext cx="8229600" cy="1371600"/>
-          </a:xfrm>
-          <a:prstGeom prst="rect">
-            <a:avLst/>
-          </a:prstGeom>
-          <a:noFill/>
-        </p:spPr>
-        <p:txBody>
-          <a:bodyPr wrap="square">
-            <a:spAutoFit/>
-          </a:bodyPr>
-          <a:lstStyle/>
-          <a:p>
-            <a:pPr>
-              <a:defRPr b="1" sz="1400"/>
-            </a:pPr>
-            <a:r>
-              <a:t>Key Issues / Missing Info:</a:t>
-            </a:r>
-          </a:p>
-          <a:p>
-            <a:pPr>
-              <a:defRPr sz="1300"/>
-            </a:pPr>
-            <a:r>
-              <a:t>- - What measures are in place to secure the company's infrastructure?</a:t>
-            </a:r>
-          </a:p>
-          <a:p>
-            <a:pPr>
-              <a:defRPr sz="1300"/>
-            </a:pPr>
-            <a:r>
-              <a:t>- Are there plans for upgrading infrastructure to meet growing demand?</a:t>
-            </a:r>
-          </a:p>
-        </p:txBody>
-      </p:sp>
-      <p:sp>
-        <p:nvSpPr>
-          <p:cNvPr id="5" name="TextBox 4"/>
-          <p:cNvSpPr txBox="1"/>
-          <p:nvPr/>
-        </p:nvSpPr>
-        <p:spPr>
-          <a:xfrm>
-            <a:off x="457200" y="4572000"/>
-            <a:ext cx="8229600" cy="731520"/>
-          </a:xfrm>
-          <a:prstGeom prst="rect">
-            <a:avLst/>
-          </a:prstGeom>
-          <a:noFill/>
-        </p:spPr>
-        <p:txBody>
-          <a:bodyPr wrap="square">
-            <a:spAutoFit/>
-          </a:bodyPr>
-          <a:lstStyle/>
-          <a:p>
-            <a:pPr>
-              <a:defRPr sz="1300" b="1"/>
-            </a:pPr>
-            <a:r>
-              <a:t>Risk Assessment: Low Risk</a:t>
-            </a:r>
-          </a:p>
-        </p:txBody>
-      </p:sp>
-      <p:sp>
-        <p:nvSpPr>
-          <p:cNvPr id="6" name="TextBox 5"/>
-          <p:cNvSpPr txBox="1"/>
-          <p:nvPr/>
-        </p:nvSpPr>
-        <p:spPr>
-          <a:xfrm>
-            <a:off x="4114800" y="6217920"/>
-            <a:ext cx="1828800" cy="274320"/>
-          </a:xfrm>
-          <a:prstGeom prst="rect">
-            <a:avLst/>
-          </a:prstGeom>
-          <a:noFill/>
-        </p:spPr>
-        <p:txBody>
-          <a:bodyPr wrap="none">
-            <a:spAutoFit/>
-          </a:bodyPr>
-          <a:lstStyle/>
-          <a:p>
-            <a:pPr>
-              <a:defRPr sz="1000">
-                <a:solidFill>
-                  <a:srgbClr val="646464"/>
-                </a:solidFill>
-              </a:defRPr>
-            </a:pPr>
-            <a:r>
-              <a:t>Page 14</a:t>
-            </a:r>
-          </a:p>
-        </p:txBody>
-      </p:sp>
-    </p:spTree>
-  </p:cSld>
-  <p:clrMapOvr>
-    <a:masterClrMapping/>
-  </p:clrMapOvr>
-</p:sld>
-</file>
-
-<file path=ppt/slides/slide15.xml><?xml version="1.0" encoding="utf-8"?>
-<p:sld xmlns:a="http://schemas.openxmlformats.org/drawingml/2006/main" xmlns:p="http://schemas.openxmlformats.org/presentationml/2006/main" xmlns:r="http://schemas.openxmlformats.org/officeDocument/2006/relationships">
-  <p:cSld>
-    <p:spTree>
-      <p:nvGrpSpPr>
-        <p:cNvPr id="1" name=""/>
-        <p:cNvGrpSpPr/>
-        <p:nvPr/>
-      </p:nvGrpSpPr>
-      <p:grpSpPr/>
-      <p:sp>
-        <p:nvSpPr>
-          <p:cNvPr id="2" name="Rectangle 1"/>
-          <p:cNvSpPr/>
-          <p:nvPr/>
-        </p:nvSpPr>
-        <p:spPr>
-          <a:xfrm>
-            <a:off x="0" y="0"/>
-            <a:ext cx="9144000" cy="548640"/>
-          </a:xfrm>
-          <a:prstGeom prst="rect">
-            <a:avLst/>
-          </a:prstGeom>
-          <a:solidFill>
-            <a:srgbClr val="003366"/>
-          </a:solidFill>
-        </p:spPr>
-        <p:style>
-          <a:lnRef idx="1">
-            <a:schemeClr val="accent1"/>
-          </a:lnRef>
-          <a:fillRef idx="3">
-            <a:schemeClr val="accent1"/>
-          </a:fillRef>
-          <a:effectRef idx="2">
-            <a:schemeClr val="accent1"/>
-          </a:effectRef>
-          <a:fontRef idx="minor">
-            <a:schemeClr val="lt1"/>
-          </a:fontRef>
-        </p:style>
-        <p:txBody>
-          <a:bodyPr rtlCol="0" anchor="ctr"/>
-          <a:lstStyle/>
-          <a:p>
-            <a:pPr>
-              <a:defRPr b="1" sz="2000">
-                <a:solidFill>
-                  <a:srgbClr val="FFFFFF"/>
-                </a:solidFill>
-              </a:defRPr>
-            </a:pPr>
-            <a:r>
-              <a:t>  Tokenomics &amp; Trading Integrity</a:t>
-            </a:r>
-          </a:p>
-        </p:txBody>
-      </p:sp>
-      <p:sp>
-        <p:nvSpPr>
-          <p:cNvPr id="3" name="TextBox 2"/>
-          <p:cNvSpPr txBox="1"/>
-          <p:nvPr/>
-        </p:nvSpPr>
-        <p:spPr>
-          <a:xfrm>
-            <a:off x="457200" y="914400"/>
-            <a:ext cx="8229600" cy="1828800"/>
-          </a:xfrm>
-          <a:prstGeom prst="rect">
-            <a:avLst/>
-          </a:prstGeom>
-          <a:noFill/>
-        </p:spPr>
-        <p:txBody>
-          <a:bodyPr wrap="square">
-            <a:spAutoFit/>
-          </a:bodyPr>
-          <a:lstStyle/>
-          <a:p>
-            <a:pPr>
-              <a:defRPr b="1" sz="1400"/>
-            </a:pPr>
-            <a:r>
-              <a:t>Summary Findings:</a:t>
-            </a:r>
-          </a:p>
-          <a:p>
-            <a:pPr>
-              <a:defRPr sz="1300"/>
-            </a:pPr>
-            <a:r>
-              <a:t>- Based on the provided documentation, it appears that the CryptoBazar Fund has not explicitly stated its compliance with relevant securities and commodities laws</a:t>
-            </a:r>
-          </a:p>
-          <a:p>
-            <a:pPr>
-              <a:defRPr sz="1300"/>
-            </a:pPr>
-            <a:r>
-              <a:t>- There is no mention in the provided text of specific trade surveillance mechanisms to prevent market manipulation</a:t>
-            </a:r>
-          </a:p>
-          <a:p>
-            <a:pPr>
-              <a:defRPr sz="1300"/>
-            </a:pPr>
-            <a:r>
-              <a:t>- The text does not explicitly state whether valuations are consistent with market standards</a:t>
-            </a:r>
-          </a:p>
-        </p:txBody>
-      </p:sp>
-      <p:sp>
-        <p:nvSpPr>
-          <p:cNvPr id="4" name="TextBox 3"/>
-          <p:cNvSpPr txBox="1"/>
-          <p:nvPr/>
-        </p:nvSpPr>
-        <p:spPr>
-          <a:xfrm>
-            <a:off x="457200" y="2926080"/>
-            <a:ext cx="8229600" cy="1371600"/>
-          </a:xfrm>
-          <a:prstGeom prst="rect">
-            <a:avLst/>
-          </a:prstGeom>
-          <a:noFill/>
-        </p:spPr>
-        <p:txBody>
-          <a:bodyPr wrap="square">
-            <a:spAutoFit/>
-          </a:bodyPr>
-          <a:lstStyle/>
-          <a:p>
-            <a:pPr>
-              <a:defRPr b="1" sz="1400"/>
-            </a:pPr>
-            <a:r>
-              <a:t>Key Issues / Missing Info:</a:t>
-            </a:r>
-          </a:p>
-          <a:p>
-            <a:pPr>
-              <a:defRPr sz="1300"/>
-            </a:pPr>
-            <a:r>
-              <a:t>- How does the company ensure compliance with these standards?</a:t>
-            </a:r>
-          </a:p>
-        </p:txBody>
-      </p:sp>
-      <p:sp>
-        <p:nvSpPr>
-          <p:cNvPr id="5" name="TextBox 4"/>
-          <p:cNvSpPr txBox="1"/>
-          <p:nvPr/>
-        </p:nvSpPr>
-        <p:spPr>
-          <a:xfrm>
-            <a:off x="457200" y="4572000"/>
-            <a:ext cx="8229600" cy="731520"/>
-          </a:xfrm>
-          <a:prstGeom prst="rect">
-            <a:avLst/>
-          </a:prstGeom>
-          <a:noFill/>
-        </p:spPr>
-        <p:txBody>
-          <a:bodyPr wrap="square">
-            <a:spAutoFit/>
-          </a:bodyPr>
-          <a:lstStyle/>
-          <a:p>
-            <a:pPr>
-              <a:defRPr sz="1300" b="1"/>
-            </a:pPr>
-            <a:r>
-              <a:t>Risk Assessment: Low Risk</a:t>
-            </a:r>
-          </a:p>
-        </p:txBody>
-      </p:sp>
-      <p:sp>
-        <p:nvSpPr>
-          <p:cNvPr id="6" name="TextBox 5"/>
-          <p:cNvSpPr txBox="1"/>
-          <p:nvPr/>
-        </p:nvSpPr>
-        <p:spPr>
-          <a:xfrm>
-            <a:off x="4114800" y="6217920"/>
-            <a:ext cx="1828800" cy="274320"/>
-          </a:xfrm>
-          <a:prstGeom prst="rect">
-            <a:avLst/>
-          </a:prstGeom>
-          <a:noFill/>
-        </p:spPr>
-        <p:txBody>
-          <a:bodyPr wrap="none">
-            <a:spAutoFit/>
-          </a:bodyPr>
-          <a:lstStyle/>
-          <a:p>
-            <a:pPr>
-              <a:defRPr sz="1000">
-                <a:solidFill>
-                  <a:srgbClr val="646464"/>
-                </a:solidFill>
-              </a:defRPr>
-            </a:pPr>
-            <a:r>
-              <a:t>Page 15</a:t>
+              <a:defRPr sz="1000" b="1">
+                <a:solidFill>
+                  <a:srgbClr val="000000"/>
+                </a:solidFill>
+                <a:latin typeface="Montserrat"/>
+              </a:defRPr>
+            </a:pPr>
+            <a:r>
+              <a:t>DueXpert – AI Crypto Fund Due Diligence Suite | General</a:t>
             </a:r>
           </a:p>
         </p:txBody>
@@ -4535,6 +3485,22 @@
 <file path=ppt/slides/slide2.xml><?xml version="1.0" encoding="utf-8"?>
 <p:sld xmlns:a="http://schemas.openxmlformats.org/drawingml/2006/main" xmlns:p="http://schemas.openxmlformats.org/presentationml/2006/main" xmlns:r="http://schemas.openxmlformats.org/officeDocument/2006/relationships">
   <p:cSld>
+    <p:bg>
+      <p:bgPr>
+        <a:gradFill rotWithShape="1">
+          <a:gsLst>
+            <a:gs pos="0">
+              <a:srgbClr val="FFFFFF"/>
+            </a:gs>
+            <a:gs pos="100000">
+              <a:srgbClr val="FFFFFF"/>
+            </a:gs>
+          </a:gsLst>
+          <a:lin scaled="0"/>
+        </a:gradFill>
+        <a:effectLst/>
+      </p:bgPr>
+    </p:bg>
     <p:spTree>
       <p:nvGrpSpPr>
         <p:cNvPr id="1" name=""/>
@@ -4542,105 +3508,211 @@
         <p:nvPr/>
       </p:nvGrpSpPr>
       <p:grpSpPr/>
-      <p:sp>
-        <p:nvSpPr>
-          <p:cNvPr id="2" name="Title 1"/>
-          <p:cNvSpPr>
-            <a:spLocks noGrp="1"/>
-          </p:cNvSpPr>
-          <p:nvPr>
-            <p:ph type="title"/>
-          </p:nvPr>
-        </p:nvSpPr>
-        <p:spPr/>
-        <p:txBody>
-          <a:bodyPr/>
-          <a:lstStyle/>
-          <a:p>
-            <a:r>
-              <a:t>Contents</a:t>
-            </a:r>
-          </a:p>
-        </p:txBody>
-      </p:sp>
-      <p:sp>
-        <p:nvSpPr>
-          <p:cNvPr id="3" name="Content Placeholder 2"/>
-          <p:cNvSpPr>
-            <a:spLocks noGrp="1"/>
-          </p:cNvSpPr>
-          <p:nvPr>
-            <p:ph idx="1"/>
-          </p:nvPr>
-        </p:nvSpPr>
-        <p:spPr/>
-        <p:txBody>
-          <a:bodyPr/>
+      <p:pic>
+        <p:nvPicPr>
+          <p:cNvPr id="2" name="Picture 1" descr="dueexpert.png"/>
+          <p:cNvPicPr>
+            <a:picLocks noChangeAspect="1"/>
+          </p:cNvPicPr>
+          <p:nvPr/>
+        </p:nvPicPr>
+        <p:blipFill>
+          <a:blip r:embed="rId2"/>
+          <a:stretch>
+            <a:fillRect/>
+          </a:stretch>
+        </p:blipFill>
+        <p:spPr>
+          <a:xfrm>
+            <a:off x="274320" y="91440"/>
+            <a:ext cx="2342917" cy="548640"/>
+          </a:xfrm>
+          <a:prstGeom prst="rect">
+            <a:avLst/>
+          </a:prstGeom>
+        </p:spPr>
+      </p:pic>
+      <p:pic>
+        <p:nvPicPr>
+          <p:cNvPr id="3" name="Picture 2" descr="VALUE.png"/>
+          <p:cNvPicPr>
+            <a:picLocks noChangeAspect="1"/>
+          </p:cNvPicPr>
+          <p:nvPr/>
+        </p:nvPicPr>
+        <p:blipFill>
+          <a:blip r:embed="rId3"/>
+          <a:stretch>
+            <a:fillRect/>
+          </a:stretch>
+        </p:blipFill>
+        <p:spPr>
+          <a:xfrm>
+            <a:off x="9418320" y="6126480"/>
+            <a:ext cx="1405150" cy="548640"/>
+          </a:xfrm>
+          <a:prstGeom prst="rect">
+            <a:avLst/>
+          </a:prstGeom>
+        </p:spPr>
+      </p:pic>
+      <p:sp>
+        <p:nvSpPr>
+          <p:cNvPr id="4" name="TextBox 3"/>
+          <p:cNvSpPr txBox="1"/>
+          <p:nvPr/>
+        </p:nvSpPr>
+        <p:spPr>
+          <a:xfrm>
+            <a:off x="457200" y="6400800"/>
+            <a:ext cx="8229600" cy="274320"/>
+          </a:xfrm>
+          <a:prstGeom prst="rect">
+            <a:avLst/>
+          </a:prstGeom>
+          <a:noFill/>
+        </p:spPr>
+        <p:txBody>
+          <a:bodyPr wrap="none">
+            <a:spAutoFit/>
+          </a:bodyPr>
+          <a:lstStyle/>
+          <a:p>
+            <a:pPr>
+              <a:defRPr sz="1000" b="1">
+                <a:solidFill>
+                  <a:srgbClr val="000000"/>
+                </a:solidFill>
+                <a:latin typeface="Montserrat"/>
+              </a:defRPr>
+            </a:pPr>
+            <a:r>
+              <a:t>DueXpert – AI Crypto Fund Due Diligence Suite | Table of Contents</a:t>
+            </a:r>
+          </a:p>
+        </p:txBody>
+      </p:sp>
+      <p:sp>
+        <p:nvSpPr>
+          <p:cNvPr id="5" name="TextBox 4"/>
+          <p:cNvSpPr txBox="1"/>
+          <p:nvPr/>
+        </p:nvSpPr>
+        <p:spPr>
+          <a:xfrm>
+            <a:off x="731520" y="457200"/>
+            <a:ext cx="7315200" cy="457200"/>
+          </a:xfrm>
+          <a:prstGeom prst="rect">
+            <a:avLst/>
+          </a:prstGeom>
+          <a:noFill/>
+        </p:spPr>
+        <p:txBody>
+          <a:bodyPr wrap="none">
+            <a:spAutoFit/>
+          </a:bodyPr>
+          <a:lstStyle/>
+          <a:p>
+            <a:pPr>
+              <a:defRPr sz="2800" b="1">
+                <a:solidFill>
+                  <a:srgbClr val="365FC7"/>
+                </a:solidFill>
+                <a:latin typeface="Montserrat"/>
+              </a:defRPr>
+            </a:pPr>
+            <a:r>
+              <a:t>Table of Contents</a:t>
+            </a:r>
+          </a:p>
+        </p:txBody>
+      </p:sp>
+      <p:sp>
+        <p:nvSpPr>
+          <p:cNvPr id="6" name="TextBox 5"/>
+          <p:cNvSpPr txBox="1"/>
+          <p:nvPr/>
+        </p:nvSpPr>
+        <p:spPr>
+          <a:xfrm>
+            <a:off x="731520" y="1097280"/>
+            <a:ext cx="7772400" cy="5029200"/>
+          </a:xfrm>
+          <a:prstGeom prst="rect">
+            <a:avLst/>
+          </a:prstGeom>
+          <a:noFill/>
+        </p:spPr>
+        <p:txBody>
+          <a:bodyPr wrap="square">
+            <a:spAutoFit/>
+          </a:bodyPr>
           <a:lstStyle/>
           <a:p/>
           <a:p>
-            <a:r>
-              <a:t>2. AML / KYC</a:t>
-            </a:r>
-          </a:p>
-          <a:p>
-            <a:r>
-              <a:t>3. Community &amp; UX</a:t>
-            </a:r>
-          </a:p>
-          <a:p>
-            <a:r>
-              <a:t>4. Custody &amp; Asset Security</a:t>
-            </a:r>
-          </a:p>
-          <a:p>
-            <a:r>
-              <a:t>5. Cybersecurity &amp; Data Privacy</a:t>
-            </a:r>
-          </a:p>
-          <a:p>
-            <a:r>
-              <a:t>6. ESG &amp; Sustainability</a:t>
-            </a:r>
-          </a:p>
-          <a:p>
-            <a:r>
-              <a:t>7. Financial Health</a:t>
-            </a:r>
-          </a:p>
-          <a:p>
-            <a:r>
-              <a:t>8. Governance</a:t>
-            </a:r>
-          </a:p>
-          <a:p>
-            <a:r>
-              <a:t>9. IP &amp; Contracts</a:t>
-            </a:r>
-          </a:p>
-          <a:p>
-            <a:r>
-              <a:t>10. Legal &amp; Regulatory</a:t>
-            </a:r>
-          </a:p>
-          <a:p>
-            <a:r>
-              <a:t>11. Risk Management</a:t>
-            </a:r>
-          </a:p>
-          <a:p>
-            <a:r>
-              <a:t>12. Strategy &amp; Competitive Positioning</a:t>
-            </a:r>
-          </a:p>
-          <a:p>
-            <a:r>
-              <a:t>13. Technology &amp; Infrastructure</a:t>
-            </a:r>
-          </a:p>
-          <a:p>
-            <a:r>
-              <a:t>14. Tokenomics &amp; Trading Integrity</a:t>
+            <a:pPr>
+              <a:defRPr sz="1600">
+                <a:solidFill>
+                  <a:srgbClr val="000000"/>
+                </a:solidFill>
+                <a:latin typeface="Montserrat"/>
+              </a:defRPr>
+            </a:pPr>
+            <a:r>
+              <a:t>2. Key Summary and Findings</a:t>
+            </a:r>
+          </a:p>
+          <a:p>
+            <a:pPr>
+              <a:defRPr sz="1600">
+                <a:solidFill>
+                  <a:srgbClr val="000000"/>
+                </a:solidFill>
+                <a:latin typeface="Montserrat"/>
+              </a:defRPr>
+            </a:pPr>
+            <a:r>
+              <a:t>3. Issues Faced</a:t>
+            </a:r>
+          </a:p>
+          <a:p>
+            <a:pPr>
+              <a:defRPr sz="1600">
+                <a:solidFill>
+                  <a:srgbClr val="000000"/>
+                </a:solidFill>
+                <a:latin typeface="Montserrat"/>
+              </a:defRPr>
+            </a:pPr>
+            <a:r>
+              <a:t>4. Risk Scoring</a:t>
+            </a:r>
+          </a:p>
+          <a:p>
+            <a:pPr>
+              <a:defRPr sz="1600">
+                <a:solidFill>
+                  <a:srgbClr val="000000"/>
+                </a:solidFill>
+                <a:latin typeface="Montserrat"/>
+              </a:defRPr>
+            </a:pPr>
+            <a:r>
+              <a:t>5. Risk Visualization</a:t>
+            </a:r>
+          </a:p>
+          <a:p>
+            <a:pPr>
+              <a:defRPr sz="1600">
+                <a:solidFill>
+                  <a:srgbClr val="000000"/>
+                </a:solidFill>
+                <a:latin typeface="Montserrat"/>
+              </a:defRPr>
+            </a:pPr>
+            <a:r>
+              <a:t>6. Recommendations</a:t>
             </a:r>
           </a:p>
         </p:txBody>
@@ -4656,6 +3728,22 @@
 <file path=ppt/slides/slide3.xml><?xml version="1.0" encoding="utf-8"?>
 <p:sld xmlns:a="http://schemas.openxmlformats.org/drawingml/2006/main" xmlns:p="http://schemas.openxmlformats.org/presentationml/2006/main" xmlns:r="http://schemas.openxmlformats.org/officeDocument/2006/relationships">
   <p:cSld>
+    <p:bg>
+      <p:bgPr>
+        <a:gradFill rotWithShape="1">
+          <a:gsLst>
+            <a:gs pos="0">
+              <a:srgbClr val="FFFFFF"/>
+            </a:gs>
+            <a:gs pos="100000">
+              <a:srgbClr val="FFFFFF"/>
+            </a:gs>
+          </a:gsLst>
+          <a:lin scaled="0"/>
+        </a:gradFill>
+        <a:effectLst/>
+      </p:bgPr>
+    </p:bg>
     <p:spTree>
       <p:nvGrpSpPr>
         <p:cNvPr id="1" name=""/>
@@ -4663,65 +3751,64 @@
         <p:nvPr/>
       </p:nvGrpSpPr>
       <p:grpSpPr/>
-      <p:sp>
-        <p:nvSpPr>
-          <p:cNvPr id="2" name="Rectangle 1"/>
-          <p:cNvSpPr/>
+      <p:pic>
+        <p:nvPicPr>
+          <p:cNvPr id="2" name="Picture 1" descr="dueexpert.png"/>
+          <p:cNvPicPr>
+            <a:picLocks noChangeAspect="1"/>
+          </p:cNvPicPr>
           <p:nvPr/>
-        </p:nvSpPr>
+        </p:nvPicPr>
+        <p:blipFill>
+          <a:blip r:embed="rId2"/>
+          <a:stretch>
+            <a:fillRect/>
+          </a:stretch>
+        </p:blipFill>
         <p:spPr>
           <a:xfrm>
-            <a:off x="0" y="0"/>
-            <a:ext cx="9144000" cy="548640"/>
+            <a:off x="274320" y="91440"/>
+            <a:ext cx="2342917" cy="548640"/>
           </a:xfrm>
           <a:prstGeom prst="rect">
             <a:avLst/>
           </a:prstGeom>
-          <a:solidFill>
-            <a:srgbClr val="003366"/>
-          </a:solidFill>
         </p:spPr>
-        <p:style>
-          <a:lnRef idx="1">
-            <a:schemeClr val="accent1"/>
-          </a:lnRef>
-          <a:fillRef idx="3">
-            <a:schemeClr val="accent1"/>
-          </a:fillRef>
-          <a:effectRef idx="2">
-            <a:schemeClr val="accent1"/>
-          </a:effectRef>
-          <a:fontRef idx="minor">
-            <a:schemeClr val="lt1"/>
-          </a:fontRef>
-        </p:style>
-        <p:txBody>
-          <a:bodyPr rtlCol="0" anchor="ctr"/>
-          <a:lstStyle/>
-          <a:p>
-            <a:pPr>
-              <a:defRPr b="1" sz="2000">
-                <a:solidFill>
-                  <a:srgbClr val="FFFFFF"/>
-                </a:solidFill>
-              </a:defRPr>
-            </a:pPr>
-            <a:r>
-              <a:t>  AML / KYC</a:t>
-            </a:r>
-          </a:p>
-        </p:txBody>
-      </p:sp>
-      <p:sp>
-        <p:nvSpPr>
-          <p:cNvPr id="3" name="TextBox 2"/>
+      </p:pic>
+      <p:pic>
+        <p:nvPicPr>
+          <p:cNvPr id="3" name="Picture 2" descr="VALUE.png"/>
+          <p:cNvPicPr>
+            <a:picLocks noChangeAspect="1"/>
+          </p:cNvPicPr>
+          <p:nvPr/>
+        </p:nvPicPr>
+        <p:blipFill>
+          <a:blip r:embed="rId3"/>
+          <a:stretch>
+            <a:fillRect/>
+          </a:stretch>
+        </p:blipFill>
+        <p:spPr>
+          <a:xfrm>
+            <a:off x="9418320" y="6126480"/>
+            <a:ext cx="1405150" cy="548640"/>
+          </a:xfrm>
+          <a:prstGeom prst="rect">
+            <a:avLst/>
+          </a:prstGeom>
+        </p:spPr>
+      </p:pic>
+      <p:sp>
+        <p:nvSpPr>
+          <p:cNvPr id="4" name="TextBox 3"/>
           <p:cNvSpPr txBox="1"/>
           <p:nvPr/>
         </p:nvSpPr>
         <p:spPr>
           <a:xfrm>
-            <a:off x="457200" y="914400"/>
-            <a:ext cx="8229600" cy="1828800"/>
+            <a:off x="457200" y="6400800"/>
+            <a:ext cx="8229600" cy="274320"/>
           </a:xfrm>
           <a:prstGeom prst="rect">
             <a:avLst/>
@@ -4729,38 +3816,35 @@
           <a:noFill/>
         </p:spPr>
         <p:txBody>
-          <a:bodyPr wrap="square">
+          <a:bodyPr wrap="none">
             <a:spAutoFit/>
           </a:bodyPr>
           <a:lstStyle/>
           <a:p>
             <a:pPr>
-              <a:defRPr b="1" sz="1400"/>
-            </a:pPr>
-            <a:r>
-              <a:t>Summary Findings:</a:t>
-            </a:r>
-          </a:p>
-          <a:p>
-            <a:pPr>
-              <a:defRPr sz="1300"/>
-            </a:pPr>
-            <a:r>
-              <a:t>- The provided text does not mention specific Anti-Money Laundering (AML) policies and procedures</a:t>
-            </a:r>
-          </a:p>
-        </p:txBody>
-      </p:sp>
-      <p:sp>
-        <p:nvSpPr>
-          <p:cNvPr id="4" name="TextBox 3"/>
+              <a:defRPr sz="1000" b="1">
+                <a:solidFill>
+                  <a:srgbClr val="000000"/>
+                </a:solidFill>
+                <a:latin typeface="Montserrat"/>
+              </a:defRPr>
+            </a:pPr>
+            <a:r>
+              <a:t>DueXpert – AI Crypto Fund Due Diligence Suite | Key Findings Summary</a:t>
+            </a:r>
+          </a:p>
+        </p:txBody>
+      </p:sp>
+      <p:sp>
+        <p:nvSpPr>
+          <p:cNvPr id="5" name="TextBox 4"/>
           <p:cNvSpPr txBox="1"/>
           <p:nvPr/>
         </p:nvSpPr>
         <p:spPr>
           <a:xfrm>
-            <a:off x="457200" y="2926080"/>
-            <a:ext cx="8229600" cy="1371600"/>
+            <a:off x="731520" y="457200"/>
+            <a:ext cx="7315200" cy="457200"/>
           </a:xfrm>
           <a:prstGeom prst="rect">
             <a:avLst/>
@@ -4768,30 +3852,35 @@
           <a:noFill/>
         </p:spPr>
         <p:txBody>
-          <a:bodyPr wrap="square">
+          <a:bodyPr wrap="none">
             <a:spAutoFit/>
           </a:bodyPr>
           <a:lstStyle/>
           <a:p>
             <a:pPr>
-              <a:defRPr b="1" sz="1400"/>
-            </a:pPr>
-            <a:r>
-              <a:t>Key Issues / Missing Info:</a:t>
-            </a:r>
-          </a:p>
-        </p:txBody>
-      </p:sp>
-      <p:sp>
-        <p:nvSpPr>
-          <p:cNvPr id="5" name="TextBox 4"/>
+              <a:defRPr sz="2400" b="1">
+                <a:solidFill>
+                  <a:srgbClr val="365FC7"/>
+                </a:solidFill>
+                <a:latin typeface="Montserrat"/>
+              </a:defRPr>
+            </a:pPr>
+            <a:r>
+              <a:t>2. Key Summary and Findings</a:t>
+            </a:r>
+          </a:p>
+        </p:txBody>
+      </p:sp>
+      <p:sp>
+        <p:nvSpPr>
+          <p:cNvPr id="6" name="TextBox 5"/>
           <p:cNvSpPr txBox="1"/>
           <p:nvPr/>
         </p:nvSpPr>
         <p:spPr>
           <a:xfrm>
-            <a:off x="457200" y="4572000"/>
-            <a:ext cx="8229600" cy="731520"/>
+            <a:off x="731520" y="1097280"/>
+            <a:ext cx="9144000" cy="5029200"/>
           </a:xfrm>
           <a:prstGeom prst="rect">
             <a:avLst/>
@@ -4805,24 +3894,323 @@
           <a:lstStyle/>
           <a:p>
             <a:pPr>
-              <a:defRPr sz="1300" b="1"/>
-            </a:pPr>
-            <a:r>
-              <a:t>Risk Assessment: Low Risk</a:t>
-            </a:r>
-          </a:p>
-        </p:txBody>
-      </p:sp>
-      <p:sp>
-        <p:nvSpPr>
-          <p:cNvPr id="6" name="TextBox 5"/>
+              <a:defRPr sz="1200">
+                <a:solidFill>
+                  <a:srgbClr val="000000"/>
+                </a:solidFill>
+                <a:latin typeface="Montserrat"/>
+              </a:defRPr>
+            </a:pPr>
+            <a:r>
+              <a:t>Community &amp; UX: After carefully reviewing the document, i've identified some potential pain points and areas for improvement:</a:t>
+            </a:r>
+          </a:p>
+          <a:p>
+            <a:pPr>
+              <a:defRPr sz="1200">
+                <a:solidFill>
+                  <a:srgbClr val="000000"/>
+                </a:solidFill>
+                <a:latin typeface="Montserrat"/>
+              </a:defRPr>
+            </a:pPr>
+          </a:p>
+          <a:p>
+            <a:pPr>
+              <a:defRPr sz="1200">
+                <a:solidFill>
+                  <a:srgbClr val="000000"/>
+                </a:solidFill>
+                <a:latin typeface="Montserrat"/>
+              </a:defRPr>
+            </a:pPr>
+            <a:r>
+              <a:t>1.; There is no mention of "customer satisfaction" in the provided text.</a:t>
+            </a:r>
+          </a:p>
+          <a:p>
+            <a:pPr>
+              <a:defRPr sz="1200">
+                <a:solidFill>
+                  <a:srgbClr val="000000"/>
+                </a:solidFill>
+                <a:latin typeface="Montserrat"/>
+              </a:defRPr>
+            </a:pPr>
+            <a:r>
+              <a:t>Custody &amp; Asset Security: Unfortunately, i do not see a mention of multi-signature wallets in the provided text.; Unfortunately, i do not see any specific information on how the cryptobazar fund verifies asset ownership.; There is no mention of an insurance policy in the provided text.</a:t>
+            </a:r>
+          </a:p>
+          <a:p>
+            <a:pPr>
+              <a:defRPr sz="1200">
+                <a:solidFill>
+                  <a:srgbClr val="000000"/>
+                </a:solidFill>
+                <a:latin typeface="Montserrat"/>
+              </a:defRPr>
+            </a:pPr>
+            <a:r>
+              <a:t>Cybersecurity &amp; Data Privacy: Unfortunately, i couldn't find any information in the provided text that directly answers your question about whether two-factor authentication and end-to-end encryption are used.</a:t>
+            </a:r>
+          </a:p>
+          <a:p>
+            <a:pPr>
+              <a:defRPr sz="1200">
+                <a:solidFill>
+                  <a:srgbClr val="000000"/>
+                </a:solidFill>
+                <a:latin typeface="Montserrat"/>
+              </a:defRPr>
+            </a:pPr>
+          </a:p>
+          <a:p>
+            <a:pPr>
+              <a:defRPr sz="1200">
+                <a:solidFill>
+                  <a:srgbClr val="000000"/>
+                </a:solidFill>
+                <a:latin typeface="Montserrat"/>
+              </a:defRPr>
+            </a:pPr>
+            <a:r>
+              <a:t>however, the provided text is a comprehensive document outlining the terms and conditions of the cryptobazar fund.; The text does not explicitly mention the criteria for hiring personnel in critical roles.</a:t>
+            </a:r>
+          </a:p>
+          <a:p>
+            <a:pPr>
+              <a:defRPr sz="1200">
+                <a:solidFill>
+                  <a:srgbClr val="000000"/>
+                </a:solidFill>
+                <a:latin typeface="Montserrat"/>
+              </a:defRPr>
+            </a:pPr>
+            <a:r>
+              <a:t>ESG &amp; Sustainability: There is no mention of initiatives to reduce energy consumption in the provided text.; There is no mention of environmental concerns in the provided text.; There is no mention of the company's operations having a significant impact on the environment in terms of carbon footprint....</a:t>
+            </a:r>
+          </a:p>
+          <a:p>
+            <a:pPr>
+              <a:defRPr sz="1200">
+                <a:solidFill>
+                  <a:srgbClr val="000000"/>
+                </a:solidFill>
+                <a:latin typeface="Montserrat"/>
+              </a:defRPr>
+            </a:pPr>
+            <a:r>
+              <a:t>Financial Health: The document provided does not contain comprehensive financial information about the company's financial health.; The text does not explicitly state whether valuations are consistent with market standards.; The text, the company manages revenue volatility by:</a:t>
+            </a:r>
+          </a:p>
+          <a:p>
+            <a:pPr>
+              <a:defRPr sz="1200">
+                <a:solidFill>
+                  <a:srgbClr val="000000"/>
+                </a:solidFill>
+                <a:latin typeface="Montserrat"/>
+              </a:defRPr>
+            </a:pPr>
+          </a:p>
+          <a:p>
+            <a:pPr>
+              <a:defRPr sz="1200">
+                <a:solidFill>
+                  <a:srgbClr val="000000"/>
+                </a:solidFill>
+                <a:latin typeface="Montserrat"/>
+              </a:defRPr>
+            </a:pPr>
+            <a:r>
+              <a:t>* charging a performance fee only when the cbt price exceeds the hurdle rate....</a:t>
+            </a:r>
+          </a:p>
+          <a:p>
+            <a:pPr>
+              <a:defRPr sz="1200">
+                <a:solidFill>
+                  <a:srgbClr val="000000"/>
+                </a:solidFill>
+                <a:latin typeface="Montserrat"/>
+              </a:defRPr>
+            </a:pPr>
+            <a:r>
+              <a:t>Governance: There is no mention of "conflicts" in the provided text.; The text, the managing partners have decision-making power in the fund.; Based on the provided document, it appears that the project is likely a decentralized one....</a:t>
+            </a:r>
+          </a:p>
+          <a:p>
+            <a:pPr>
+              <a:defRPr sz="1200">
+                <a:solidFill>
+                  <a:srgbClr val="000000"/>
+                </a:solidFill>
+                <a:latin typeface="Montserrat"/>
+              </a:defRPr>
+            </a:pPr>
+            <a:r>
+              <a:t>IP &amp; Contracts: There is no mention of ip (intellectual property) rights in the provided text.</a:t>
+            </a:r>
+          </a:p>
+          <a:p>
+            <a:pPr>
+              <a:defRPr sz="1200">
+                <a:solidFill>
+                  <a:srgbClr val="000000"/>
+                </a:solidFill>
+                <a:latin typeface="Montserrat"/>
+              </a:defRPr>
+            </a:pPr>
+            <a:r>
+              <a:t>Legal &amp; Regulatory: After reviewing the provided text, i did not find any information about significant changes in the legal structure of cryptobazar fund over time.; There is no explicit mention of whether all necessary licenses and permits are in place.; The provided text, it appears that there is no explicit mention of sanctions restrictions or transaction monitoring requirements....</a:t>
+            </a:r>
+          </a:p>
+          <a:p>
+            <a:pPr>
+              <a:defRPr sz="1200">
+                <a:solidFill>
+                  <a:srgbClr val="000000"/>
+                </a:solidFill>
+                <a:latin typeface="Montserrat"/>
+              </a:defRPr>
+            </a:pPr>
+            <a:r>
+              <a:t>Risk Management: There is no mention of specific hedging strategies in the provided text.; The document provided does not explicitly discuss how the company ensures operational resilience.; There is no mention of supply chain disruptions or contingency plans in the provided text....</a:t>
+            </a:r>
+          </a:p>
+          <a:p>
+            <a:pPr>
+              <a:defRPr sz="1200">
+                <a:solidFill>
+                  <a:srgbClr val="000000"/>
+                </a:solidFill>
+                <a:latin typeface="Montserrat"/>
+              </a:defRPr>
+            </a:pPr>
+            <a:r>
+              <a:t>Strategy &amp; Competitive Positioning: The document doesn't explicitly mention specific competitors or market gaps, but it does provide some information that can be inferred:</a:t>
+            </a:r>
+          </a:p>
+          <a:p>
+            <a:pPr>
+              <a:defRPr sz="1200">
+                <a:solidFill>
+                  <a:srgbClr val="000000"/>
+                </a:solidFill>
+                <a:latin typeface="Montserrat"/>
+              </a:defRPr>
+            </a:pPr>
+          </a:p>
+          <a:p>
+            <a:pPr>
+              <a:defRPr sz="1200">
+                <a:solidFill>
+                  <a:srgbClr val="000000"/>
+                </a:solidFill>
+                <a:latin typeface="Montserrat"/>
+              </a:defRPr>
+            </a:pPr>
+            <a:r>
+              <a:t>* the cryptobazar fund is positioning itself as an alternative to other ico investment options by entering projects before they launch their icos.</a:t>
+            </a:r>
+          </a:p>
+          <a:p>
+            <a:pPr>
+              <a:defRPr sz="1200">
+                <a:solidFill>
+                  <a:srgbClr val="000000"/>
+                </a:solidFill>
+                <a:latin typeface="Montserrat"/>
+              </a:defRPr>
+            </a:pPr>
+            <a:r>
+              <a:t>* the fund's strategy of investing in pre-ico stages and providing preferential exit rights may be a differentiator from other funds or investors.</a:t>
+            </a:r>
+          </a:p>
+          <a:p>
+            <a:pPr>
+              <a:defRPr sz="1200">
+                <a:solidFill>
+                  <a:srgbClr val="000000"/>
+                </a:solidFill>
+                <a:latin typeface="Montserrat"/>
+              </a:defRPr>
+            </a:pPr>
+            <a:r>
+              <a:t>* the market for cryptocurrency and blockchain investments is growing, but it is still relatively small compared to traditional financial markets.; The provided text, yes, there are plans for future scalability and growth.; Yes, according to the text, there is information about the following people involved in the cryptobazar fund:</a:t>
+            </a:r>
+          </a:p>
+          <a:p>
+            <a:pPr>
+              <a:defRPr sz="1200">
+                <a:solidFill>
+                  <a:srgbClr val="000000"/>
+                </a:solidFill>
+                <a:latin typeface="Montserrat"/>
+              </a:defRPr>
+            </a:pPr>
+          </a:p>
+          <a:p>
+            <a:pPr>
+              <a:defRPr sz="1200">
+                <a:solidFill>
+                  <a:srgbClr val="000000"/>
+                </a:solidFill>
+                <a:latin typeface="Montserrat"/>
+              </a:defRPr>
+            </a:pPr>
+            <a:r>
+              <a:t>* managing partners: they are responsible for carrying out deals and transactions with assets, and making decisions on behalf of the co-investors.</a:t>
+            </a:r>
+          </a:p>
+          <a:p>
+            <a:pPr>
+              <a:defRPr sz="1200">
+                <a:solidFill>
+                  <a:srgbClr val="000000"/>
+                </a:solidFill>
+                <a:latin typeface="Montserrat"/>
+              </a:defRPr>
+            </a:pPr>
+            <a:r>
+              <a:t>* co-investors (also referred to as investors): these are individuals who have invested in the fund and share in its risks and potential returns.</a:t>
+            </a:r>
+          </a:p>
+          <a:p>
+            <a:pPr>
+              <a:defRPr sz="1200">
+                <a:solidFill>
+                  <a:srgbClr val="000000"/>
+                </a:solidFill>
+                <a:latin typeface="Montserrat"/>
+              </a:defRPr>
+            </a:pPr>
+          </a:p>
+          <a:p>
+            <a:pPr>
+              <a:defRPr sz="1200">
+                <a:solidFill>
+                  <a:srgbClr val="000000"/>
+                </a:solidFill>
+                <a:latin typeface="Montserrat"/>
+              </a:defRPr>
+            </a:pPr>
+            <a:r>
+              <a:t>however, there is no mention of "developers" being specifically engaged....</a:t>
+            </a:r>
+          </a:p>
+        </p:txBody>
+      </p:sp>
+      <p:sp>
+        <p:nvSpPr>
+          <p:cNvPr id="7" name="TextBox 6"/>
           <p:cNvSpPr txBox="1"/>
           <p:nvPr/>
         </p:nvSpPr>
         <p:spPr>
           <a:xfrm>
-            <a:off x="4114800" y="6217920"/>
-            <a:ext cx="1828800" cy="274320"/>
+            <a:off x="8229600" y="6400800"/>
+            <a:ext cx="914400" cy="274320"/>
           </a:xfrm>
           <a:prstGeom prst="rect">
             <a:avLst/>
@@ -4836,14 +4224,15 @@
           <a:lstStyle/>
           <a:p>
             <a:pPr>
-              <a:defRPr sz="1000">
-                <a:solidFill>
-                  <a:srgbClr val="646464"/>
-                </a:solidFill>
-              </a:defRPr>
-            </a:pPr>
-            <a:r>
-              <a:t>Page 3</a:t>
+              <a:defRPr sz="1000" b="1">
+                <a:solidFill>
+                  <a:srgbClr val="000000"/>
+                </a:solidFill>
+                <a:latin typeface="Montserrat"/>
+              </a:defRPr>
+            </a:pPr>
+            <a:r>
+              <a:t>Page 2</a:t>
             </a:r>
           </a:p>
         </p:txBody>
@@ -4859,6 +4248,22 @@
 <file path=ppt/slides/slide4.xml><?xml version="1.0" encoding="utf-8"?>
 <p:sld xmlns:a="http://schemas.openxmlformats.org/drawingml/2006/main" xmlns:p="http://schemas.openxmlformats.org/presentationml/2006/main" xmlns:r="http://schemas.openxmlformats.org/officeDocument/2006/relationships">
   <p:cSld>
+    <p:bg>
+      <p:bgPr>
+        <a:gradFill rotWithShape="1">
+          <a:gsLst>
+            <a:gs pos="0">
+              <a:srgbClr val="FFFFFF"/>
+            </a:gs>
+            <a:gs pos="100000">
+              <a:srgbClr val="FFFFFF"/>
+            </a:gs>
+          </a:gsLst>
+          <a:lin scaled="0"/>
+        </a:gradFill>
+        <a:effectLst/>
+      </p:bgPr>
+    </p:bg>
     <p:spTree>
       <p:nvGrpSpPr>
         <p:cNvPr id="1" name=""/>
@@ -4866,65 +4271,64 @@
         <p:nvPr/>
       </p:nvGrpSpPr>
       <p:grpSpPr/>
-      <p:sp>
-        <p:nvSpPr>
-          <p:cNvPr id="2" name="Rectangle 1"/>
-          <p:cNvSpPr/>
+      <p:pic>
+        <p:nvPicPr>
+          <p:cNvPr id="2" name="Picture 1" descr="dueexpert.png"/>
+          <p:cNvPicPr>
+            <a:picLocks noChangeAspect="1"/>
+          </p:cNvPicPr>
           <p:nvPr/>
-        </p:nvSpPr>
+        </p:nvPicPr>
+        <p:blipFill>
+          <a:blip r:embed="rId2"/>
+          <a:stretch>
+            <a:fillRect/>
+          </a:stretch>
+        </p:blipFill>
         <p:spPr>
           <a:xfrm>
-            <a:off x="0" y="0"/>
-            <a:ext cx="9144000" cy="548640"/>
+            <a:off x="274320" y="91440"/>
+            <a:ext cx="2342917" cy="548640"/>
           </a:xfrm>
           <a:prstGeom prst="rect">
             <a:avLst/>
           </a:prstGeom>
-          <a:solidFill>
-            <a:srgbClr val="003366"/>
-          </a:solidFill>
         </p:spPr>
-        <p:style>
-          <a:lnRef idx="1">
-            <a:schemeClr val="accent1"/>
-          </a:lnRef>
-          <a:fillRef idx="3">
-            <a:schemeClr val="accent1"/>
-          </a:fillRef>
-          <a:effectRef idx="2">
-            <a:schemeClr val="accent1"/>
-          </a:effectRef>
-          <a:fontRef idx="minor">
-            <a:schemeClr val="lt1"/>
-          </a:fontRef>
-        </p:style>
-        <p:txBody>
-          <a:bodyPr rtlCol="0" anchor="ctr"/>
-          <a:lstStyle/>
-          <a:p>
-            <a:pPr>
-              <a:defRPr b="1" sz="2000">
-                <a:solidFill>
-                  <a:srgbClr val="FFFFFF"/>
-                </a:solidFill>
-              </a:defRPr>
-            </a:pPr>
-            <a:r>
-              <a:t>  Community &amp; UX</a:t>
-            </a:r>
-          </a:p>
-        </p:txBody>
-      </p:sp>
-      <p:sp>
-        <p:nvSpPr>
-          <p:cNvPr id="3" name="TextBox 2"/>
+      </p:pic>
+      <p:pic>
+        <p:nvPicPr>
+          <p:cNvPr id="3" name="Picture 2" descr="VALUE.png"/>
+          <p:cNvPicPr>
+            <a:picLocks noChangeAspect="1"/>
+          </p:cNvPicPr>
+          <p:nvPr/>
+        </p:nvPicPr>
+        <p:blipFill>
+          <a:blip r:embed="rId3"/>
+          <a:stretch>
+            <a:fillRect/>
+          </a:stretch>
+        </p:blipFill>
+        <p:spPr>
+          <a:xfrm>
+            <a:off x="9418320" y="6126480"/>
+            <a:ext cx="1405150" cy="548640"/>
+          </a:xfrm>
+          <a:prstGeom prst="rect">
+            <a:avLst/>
+          </a:prstGeom>
+        </p:spPr>
+      </p:pic>
+      <p:sp>
+        <p:nvSpPr>
+          <p:cNvPr id="4" name="TextBox 3"/>
           <p:cNvSpPr txBox="1"/>
           <p:nvPr/>
         </p:nvSpPr>
         <p:spPr>
           <a:xfrm>
-            <a:off x="457200" y="914400"/>
-            <a:ext cx="8229600" cy="1828800"/>
+            <a:off x="457200" y="6400800"/>
+            <a:ext cx="8229600" cy="274320"/>
           </a:xfrm>
           <a:prstGeom prst="rect">
             <a:avLst/>
@@ -4932,54 +4336,35 @@
           <a:noFill/>
         </p:spPr>
         <p:txBody>
-          <a:bodyPr wrap="square">
+          <a:bodyPr wrap="none">
             <a:spAutoFit/>
           </a:bodyPr>
           <a:lstStyle/>
           <a:p>
             <a:pPr>
-              <a:defRPr b="1" sz="1400"/>
-            </a:pPr>
-            <a:r>
-              <a:t>Summary Findings:</a:t>
-            </a:r>
-          </a:p>
-          <a:p>
-            <a:pPr>
-              <a:defRPr sz="1300"/>
-            </a:pPr>
-            <a:r>
-              <a:t>- There is no mention of a codebase being open-source or proprietary in the provided text</a:t>
-            </a:r>
-          </a:p>
-          <a:p>
-            <a:pPr>
-              <a:defRPr sz="1300"/>
-            </a:pPr>
-            <a:r>
-              <a:t>- The document does not provide an in-depth evaluation of the user-friendliness of the CryptoBazar Fund's platform</a:t>
-            </a:r>
-          </a:p>
-          <a:p>
-            <a:pPr>
-              <a:defRPr sz="1300"/>
-            </a:pPr>
-            <a:r>
-              <a:t>- Unfortunately, there isn't much information about the community around the CryptoBazar Fund project in the provided text</a:t>
-            </a:r>
-          </a:p>
-        </p:txBody>
-      </p:sp>
-      <p:sp>
-        <p:nvSpPr>
-          <p:cNvPr id="4" name="TextBox 3"/>
+              <a:defRPr sz="1000" b="1">
+                <a:solidFill>
+                  <a:srgbClr val="000000"/>
+                </a:solidFill>
+                <a:latin typeface="Montserrat"/>
+              </a:defRPr>
+            </a:pPr>
+            <a:r>
+              <a:t>DueXpert – AI Crypto Fund Due Diligence Suite | Issues Faced</a:t>
+            </a:r>
+          </a:p>
+        </p:txBody>
+      </p:sp>
+      <p:sp>
+        <p:nvSpPr>
+          <p:cNvPr id="5" name="TextBox 4"/>
           <p:cNvSpPr txBox="1"/>
           <p:nvPr/>
         </p:nvSpPr>
         <p:spPr>
           <a:xfrm>
-            <a:off x="457200" y="2926080"/>
-            <a:ext cx="8229600" cy="1371600"/>
+            <a:off x="731520" y="457200"/>
+            <a:ext cx="7315200" cy="457200"/>
           </a:xfrm>
           <a:prstGeom prst="rect">
             <a:avLst/>
@@ -4987,38 +4372,35 @@
           <a:noFill/>
         </p:spPr>
         <p:txBody>
-          <a:bodyPr wrap="square">
+          <a:bodyPr wrap="none">
             <a:spAutoFit/>
           </a:bodyPr>
           <a:lstStyle/>
           <a:p>
             <a:pPr>
-              <a:defRPr b="1" sz="1400"/>
-            </a:pPr>
-            <a:r>
-              <a:t>Key Issues / Missing Info:</a:t>
-            </a:r>
-          </a:p>
-          <a:p>
-            <a:pPr>
-              <a:defRPr sz="1300"/>
-            </a:pPr>
-            <a:r>
-              <a:t>- - What customer support mechanisms are in place?</a:t>
-            </a:r>
-          </a:p>
-        </p:txBody>
-      </p:sp>
-      <p:sp>
-        <p:nvSpPr>
-          <p:cNvPr id="5" name="TextBox 4"/>
+              <a:defRPr sz="2400" b="1">
+                <a:solidFill>
+                  <a:srgbClr val="365FC7"/>
+                </a:solidFill>
+                <a:latin typeface="Montserrat"/>
+              </a:defRPr>
+            </a:pPr>
+            <a:r>
+              <a:t>3. Issues Faced</a:t>
+            </a:r>
+          </a:p>
+        </p:txBody>
+      </p:sp>
+      <p:sp>
+        <p:nvSpPr>
+          <p:cNvPr id="6" name="TextBox 5"/>
           <p:cNvSpPr txBox="1"/>
           <p:nvPr/>
         </p:nvSpPr>
         <p:spPr>
           <a:xfrm>
-            <a:off x="457200" y="4572000"/>
-            <a:ext cx="8229600" cy="731520"/>
+            <a:off x="731520" y="1097280"/>
+            <a:ext cx="9144000" cy="5029200"/>
           </a:xfrm>
           <a:prstGeom prst="rect">
             <a:avLst/>
@@ -5032,24 +4414,146 @@
           <a:lstStyle/>
           <a:p>
             <a:pPr>
-              <a:defRPr sz="1300" b="1"/>
-            </a:pPr>
-            <a:r>
-              <a:t>Risk Assessment: Low Risk</a:t>
-            </a:r>
-          </a:p>
-        </p:txBody>
-      </p:sp>
-      <p:sp>
-        <p:nvSpPr>
-          <p:cNvPr id="6" name="TextBox 5"/>
+              <a:defRPr sz="1200">
+                <a:solidFill>
+                  <a:srgbClr val="000000"/>
+                </a:solidFill>
+                <a:latin typeface="Montserrat"/>
+              </a:defRPr>
+            </a:pPr>
+            <a:r>
+              <a:t>AML / KYC: Does the project comply with Anti-Money Laundering (AML) and Know Your Customer (KYC) requirements?, Does the project comply with Know Your Customer (KYC) and Anti-Money Laundering (AML) regulations in all operating jurisdictions?, How robust are the projects KYC/AML processes? Are they audited regularly?...</a:t>
+            </a:r>
+          </a:p>
+          <a:p>
+            <a:pPr>
+              <a:defRPr sz="1200">
+                <a:solidFill>
+                  <a:srgbClr val="000000"/>
+                </a:solidFill>
+                <a:latin typeface="Montserrat"/>
+              </a:defRPr>
+            </a:pPr>
+            <a:r>
+              <a:t>Community &amp; UX: What is the project's community engagement and reputation?, Are there any negative reviews or controversies?, Is the project's community organic or artificially inflated?...</a:t>
+            </a:r>
+          </a:p>
+          <a:p>
+            <a:pPr>
+              <a:defRPr sz="1200">
+                <a:solidFill>
+                  <a:srgbClr val="000000"/>
+                </a:solidFill>
+                <a:latin typeface="Montserrat"/>
+              </a:defRPr>
+            </a:pPr>
+            <a:r>
+              <a:t>Custody &amp; Asset Security: What are the risks associated with the project's reliance on third-party vendors and partners?, What due diligence has been conducted on those third parties?, How are digital assets stored and secured?...</a:t>
+            </a:r>
+          </a:p>
+          <a:p>
+            <a:pPr>
+              <a:defRPr sz="1200">
+                <a:solidFill>
+                  <a:srgbClr val="000000"/>
+                </a:solidFill>
+                <a:latin typeface="Montserrat"/>
+              </a:defRPr>
+            </a:pPr>
+            <a:r>
+              <a:t>Cybersecurity &amp; Data Privacy: What are the project's business continuity and disaster recovery plans?, What cybersecurity measures are in place to protect against hacks?, Are background checks conducted on employees handling sensitive information?...</a:t>
+            </a:r>
+          </a:p>
+          <a:p>
+            <a:pPr>
+              <a:defRPr sz="1200">
+                <a:solidFill>
+                  <a:srgbClr val="000000"/>
+                </a:solidFill>
+                <a:latin typeface="Montserrat"/>
+              </a:defRPr>
+            </a:pPr>
+            <a:r>
+              <a:t>ESG &amp; Sustainability: What is the environmental impact of the cryptocurrency (e.g., energy consumption)?, Does the project promote social good or inclusivity?, Are there governance mechanisms in place to ensure fair decision-making?...</a:t>
+            </a:r>
+          </a:p>
+          <a:p>
+            <a:pPr>
+              <a:defRPr sz="1200">
+                <a:solidFill>
+                  <a:srgbClr val="000000"/>
+                </a:solidFill>
+                <a:latin typeface="Montserrat"/>
+              </a:defRPr>
+            </a:pPr>
+            <a:r>
+              <a:t>ESG &amp; Sustainability: Negative response for 'Are there any initiatives to reduce this footprint...'</a:t>
+            </a:r>
+          </a:p>
+          <a:p>
+            <a:pPr>
+              <a:defRPr sz="1200">
+                <a:solidFill>
+                  <a:srgbClr val="000000"/>
+                </a:solidFill>
+                <a:latin typeface="Montserrat"/>
+              </a:defRPr>
+            </a:pPr>
+            <a:r>
+              <a:t>Financial Health: Are audited financial statements available?, What is the project's revenue model and financial performance?, What are the project's expenses and burn rate?...</a:t>
+            </a:r>
+          </a:p>
+          <a:p>
+            <a:pPr>
+              <a:defRPr sz="1200">
+                <a:solidFill>
+                  <a:srgbClr val="000000"/>
+                </a:solidFill>
+                <a:latin typeface="Montserrat"/>
+              </a:defRPr>
+            </a:pPr>
+            <a:r>
+              <a:t>Governance: What are the backgrounds and reputations of the project's advisors?, What is the project's governance structure, and how are decisions made?, What is the level of transparency in the project's governance?...</a:t>
+            </a:r>
+          </a:p>
+          <a:p>
+            <a:pPr>
+              <a:defRPr sz="1200">
+                <a:solidFill>
+                  <a:srgbClr val="000000"/>
+                </a:solidFill>
+                <a:latin typeface="Montserrat"/>
+              </a:defRPr>
+            </a:pPr>
+            <a:r>
+              <a:t>IP &amp; Contracts: Are there any potential IP disputes or infringement risks?, How is the project's IP protected?, Has the project faced any legal challenges over intellectual property (IP) claims?...</a:t>
+            </a:r>
+          </a:p>
+          <a:p>
+            <a:pPr>
+              <a:defRPr sz="1200">
+                <a:solidFill>
+                  <a:srgbClr val="000000"/>
+                </a:solidFill>
+                <a:latin typeface="Montserrat"/>
+              </a:defRPr>
+            </a:pPr>
+            <a:r>
+              <a:t>Legal &amp; Regulatory: In which jurisdictions is the digital asset/cryptocurrency operating?, Is the cryptocurrency or digital asset compliant with local and international regulations?, Has the project obtained necessary licenses or approvals from regulatory bodies?...</a:t>
+            </a:r>
+          </a:p>
+        </p:txBody>
+      </p:sp>
+      <p:sp>
+        <p:nvSpPr>
+          <p:cNvPr id="7" name="TextBox 6"/>
           <p:cNvSpPr txBox="1"/>
           <p:nvPr/>
         </p:nvSpPr>
         <p:spPr>
           <a:xfrm>
-            <a:off x="4114800" y="6217920"/>
-            <a:ext cx="1828800" cy="274320"/>
+            <a:off x="8229600" y="6400800"/>
+            <a:ext cx="914400" cy="274320"/>
           </a:xfrm>
           <a:prstGeom prst="rect">
             <a:avLst/>
@@ -5063,14 +4567,15 @@
           <a:lstStyle/>
           <a:p>
             <a:pPr>
-              <a:defRPr sz="1000">
-                <a:solidFill>
-                  <a:srgbClr val="646464"/>
-                </a:solidFill>
-              </a:defRPr>
-            </a:pPr>
-            <a:r>
-              <a:t>Page 4</a:t>
+              <a:defRPr sz="1000" b="1">
+                <a:solidFill>
+                  <a:srgbClr val="000000"/>
+                </a:solidFill>
+                <a:latin typeface="Montserrat"/>
+              </a:defRPr>
+            </a:pPr>
+            <a:r>
+              <a:t>Page 3</a:t>
             </a:r>
           </a:p>
         </p:txBody>
@@ -5086,6 +4591,22 @@
 <file path=ppt/slides/slide5.xml><?xml version="1.0" encoding="utf-8"?>
 <p:sld xmlns:a="http://schemas.openxmlformats.org/drawingml/2006/main" xmlns:p="http://schemas.openxmlformats.org/presentationml/2006/main" xmlns:r="http://schemas.openxmlformats.org/officeDocument/2006/relationships">
   <p:cSld>
+    <p:bg>
+      <p:bgPr>
+        <a:gradFill rotWithShape="1">
+          <a:gsLst>
+            <a:gs pos="0">
+              <a:srgbClr val="FFFFFF"/>
+            </a:gs>
+            <a:gs pos="100000">
+              <a:srgbClr val="FFFFFF"/>
+            </a:gs>
+          </a:gsLst>
+          <a:lin scaled="0"/>
+        </a:gradFill>
+        <a:effectLst/>
+      </p:bgPr>
+    </p:bg>
     <p:spTree>
       <p:nvGrpSpPr>
         <p:cNvPr id="1" name=""/>
@@ -5093,65 +4614,64 @@
         <p:nvPr/>
       </p:nvGrpSpPr>
       <p:grpSpPr/>
-      <p:sp>
-        <p:nvSpPr>
-          <p:cNvPr id="2" name="Rectangle 1"/>
-          <p:cNvSpPr/>
+      <p:pic>
+        <p:nvPicPr>
+          <p:cNvPr id="2" name="Picture 1" descr="dueexpert.png"/>
+          <p:cNvPicPr>
+            <a:picLocks noChangeAspect="1"/>
+          </p:cNvPicPr>
           <p:nvPr/>
-        </p:nvSpPr>
+        </p:nvPicPr>
+        <p:blipFill>
+          <a:blip r:embed="rId2"/>
+          <a:stretch>
+            <a:fillRect/>
+          </a:stretch>
+        </p:blipFill>
         <p:spPr>
           <a:xfrm>
-            <a:off x="0" y="0"/>
-            <a:ext cx="9144000" cy="548640"/>
+            <a:off x="274320" y="91440"/>
+            <a:ext cx="2342917" cy="548640"/>
           </a:xfrm>
           <a:prstGeom prst="rect">
             <a:avLst/>
           </a:prstGeom>
-          <a:solidFill>
-            <a:srgbClr val="003366"/>
-          </a:solidFill>
         </p:spPr>
-        <p:style>
-          <a:lnRef idx="1">
-            <a:schemeClr val="accent1"/>
-          </a:lnRef>
-          <a:fillRef idx="3">
-            <a:schemeClr val="accent1"/>
-          </a:fillRef>
-          <a:effectRef idx="2">
-            <a:schemeClr val="accent1"/>
-          </a:effectRef>
-          <a:fontRef idx="minor">
-            <a:schemeClr val="lt1"/>
-          </a:fontRef>
-        </p:style>
-        <p:txBody>
-          <a:bodyPr rtlCol="0" anchor="ctr"/>
-          <a:lstStyle/>
-          <a:p>
-            <a:pPr>
-              <a:defRPr b="1" sz="2000">
-                <a:solidFill>
-                  <a:srgbClr val="FFFFFF"/>
-                </a:solidFill>
-              </a:defRPr>
-            </a:pPr>
-            <a:r>
-              <a:t>  Custody &amp; Asset Security</a:t>
-            </a:r>
-          </a:p>
-        </p:txBody>
-      </p:sp>
-      <p:sp>
-        <p:nvSpPr>
-          <p:cNvPr id="3" name="TextBox 2"/>
+      </p:pic>
+      <p:pic>
+        <p:nvPicPr>
+          <p:cNvPr id="3" name="Picture 2" descr="VALUE.png"/>
+          <p:cNvPicPr>
+            <a:picLocks noChangeAspect="1"/>
+          </p:cNvPicPr>
+          <p:nvPr/>
+        </p:nvPicPr>
+        <p:blipFill>
+          <a:blip r:embed="rId3"/>
+          <a:stretch>
+            <a:fillRect/>
+          </a:stretch>
+        </p:blipFill>
+        <p:spPr>
+          <a:xfrm>
+            <a:off x="9418320" y="6126480"/>
+            <a:ext cx="1405150" cy="548640"/>
+          </a:xfrm>
+          <a:prstGeom prst="rect">
+            <a:avLst/>
+          </a:prstGeom>
+        </p:spPr>
+      </p:pic>
+      <p:sp>
+        <p:nvSpPr>
+          <p:cNvPr id="4" name="TextBox 3"/>
           <p:cNvSpPr txBox="1"/>
           <p:nvPr/>
         </p:nvSpPr>
         <p:spPr>
           <a:xfrm>
-            <a:off x="457200" y="914400"/>
-            <a:ext cx="8229600" cy="1828800"/>
+            <a:off x="457200" y="6400800"/>
+            <a:ext cx="8229600" cy="274320"/>
           </a:xfrm>
           <a:prstGeom prst="rect">
             <a:avLst/>
@@ -5159,54 +4679,35 @@
           <a:noFill/>
         </p:spPr>
         <p:txBody>
-          <a:bodyPr wrap="square">
+          <a:bodyPr wrap="none">
             <a:spAutoFit/>
           </a:bodyPr>
           <a:lstStyle/>
           <a:p>
             <a:pPr>
-              <a:defRPr b="1" sz="1400"/>
-            </a:pPr>
-            <a:r>
-              <a:t>Summary Findings:</a:t>
-            </a:r>
-          </a:p>
-          <a:p>
-            <a:pPr>
-              <a:defRPr sz="1300"/>
-            </a:pPr>
-            <a:r>
-              <a:t>- The document doesn't explicitly mention how digital assets are stored and secured</a:t>
-            </a:r>
-          </a:p>
-          <a:p>
-            <a:pPr>
-              <a:defRPr sz="1300"/>
-            </a:pPr>
-            <a:r>
-              <a:t>- Unfortunately, I do not see a mention of multi-signature wallets in the provided text</a:t>
-            </a:r>
-          </a:p>
-          <a:p>
-            <a:pPr>
-              <a:defRPr sz="1300"/>
-            </a:pPr>
-            <a:r>
-              <a:t>- Unfortunately, I do not see any specific information on how the CryptoBazar Fund verifies asset ownership</a:t>
-            </a:r>
-          </a:p>
-        </p:txBody>
-      </p:sp>
-      <p:sp>
-        <p:nvSpPr>
-          <p:cNvPr id="4" name="TextBox 3"/>
+              <a:defRPr sz="1000" b="1">
+                <a:solidFill>
+                  <a:srgbClr val="000000"/>
+                </a:solidFill>
+                <a:latin typeface="Montserrat"/>
+              </a:defRPr>
+            </a:pPr>
+            <a:r>
+              <a:t>DueXpert – AI Crypto Fund Due Diligence Suite | Risk Scoring</a:t>
+            </a:r>
+          </a:p>
+        </p:txBody>
+      </p:sp>
+      <p:sp>
+        <p:nvSpPr>
+          <p:cNvPr id="5" name="TextBox 4"/>
           <p:cNvSpPr txBox="1"/>
           <p:nvPr/>
         </p:nvSpPr>
         <p:spPr>
           <a:xfrm>
-            <a:off x="457200" y="2926080"/>
-            <a:ext cx="8229600" cy="1371600"/>
+            <a:off x="731520" y="457200"/>
+            <a:ext cx="7315200" cy="457200"/>
           </a:xfrm>
           <a:prstGeom prst="rect">
             <a:avLst/>
@@ -5214,30 +4715,35 @@
           <a:noFill/>
         </p:spPr>
         <p:txBody>
-          <a:bodyPr wrap="square">
+          <a:bodyPr wrap="none">
             <a:spAutoFit/>
           </a:bodyPr>
           <a:lstStyle/>
           <a:p>
             <a:pPr>
-              <a:defRPr b="1" sz="1400"/>
-            </a:pPr>
-            <a:r>
-              <a:t>Key Issues / Missing Info:</a:t>
-            </a:r>
-          </a:p>
-        </p:txBody>
-      </p:sp>
-      <p:sp>
-        <p:nvSpPr>
-          <p:cNvPr id="5" name="TextBox 4"/>
+              <a:defRPr sz="2400" b="1">
+                <a:solidFill>
+                  <a:srgbClr val="365FC7"/>
+                </a:solidFill>
+                <a:latin typeface="Montserrat"/>
+              </a:defRPr>
+            </a:pPr>
+            <a:r>
+              <a:t>4. Risk Scoring</a:t>
+            </a:r>
+          </a:p>
+        </p:txBody>
+      </p:sp>
+      <p:sp>
+        <p:nvSpPr>
+          <p:cNvPr id="6" name="TextBox 5"/>
           <p:cNvSpPr txBox="1"/>
           <p:nvPr/>
         </p:nvSpPr>
         <p:spPr>
           <a:xfrm>
-            <a:off x="457200" y="4572000"/>
-            <a:ext cx="8229600" cy="731520"/>
+            <a:off x="731520" y="1097280"/>
+            <a:ext cx="9144000" cy="5029200"/>
           </a:xfrm>
           <a:prstGeom prst="rect">
             <a:avLst/>
@@ -5251,24 +4757,312 @@
           <a:lstStyle/>
           <a:p>
             <a:pPr>
-              <a:defRPr sz="1300" b="1"/>
-            </a:pPr>
-            <a:r>
-              <a:t>Risk Assessment: Low Risk</a:t>
-            </a:r>
-          </a:p>
-        </p:txBody>
-      </p:sp>
-      <p:sp>
-        <p:nvSpPr>
-          <p:cNvPr id="6" name="TextBox 5"/>
+              <a:defRPr sz="1200">
+                <a:solidFill>
+                  <a:srgbClr val="000000"/>
+                </a:solidFill>
+                <a:latin typeface="Montserrat"/>
+              </a:defRPr>
+            </a:pPr>
+            <a:r>
+              <a:t>Risk Scores by Category:</a:t>
+            </a:r>
+          </a:p>
+          <a:p>
+            <a:pPr>
+              <a:defRPr sz="1200">
+                <a:solidFill>
+                  <a:srgbClr val="000000"/>
+                </a:solidFill>
+                <a:latin typeface="Montserrat"/>
+              </a:defRPr>
+            </a:pPr>
+            <a:r>
+              <a:t>- AML / KYC: 100.0</a:t>
+            </a:r>
+          </a:p>
+          <a:p>
+            <a:pPr>
+              <a:defRPr sz="1200">
+                <a:solidFill>
+                  <a:srgbClr val="000000"/>
+                </a:solidFill>
+                <a:latin typeface="Montserrat"/>
+              </a:defRPr>
+            </a:pPr>
+            <a:r>
+              <a:t>- Community &amp; UX: 21.6</a:t>
+            </a:r>
+          </a:p>
+          <a:p>
+            <a:pPr>
+              <a:defRPr sz="1200">
+                <a:solidFill>
+                  <a:srgbClr val="000000"/>
+                </a:solidFill>
+                <a:latin typeface="Montserrat"/>
+              </a:defRPr>
+            </a:pPr>
+            <a:r>
+              <a:t>- Custody &amp; Asset Security: 50.0</a:t>
+            </a:r>
+          </a:p>
+          <a:p>
+            <a:pPr>
+              <a:defRPr sz="1200">
+                <a:solidFill>
+                  <a:srgbClr val="000000"/>
+                </a:solidFill>
+                <a:latin typeface="Montserrat"/>
+              </a:defRPr>
+            </a:pPr>
+            <a:r>
+              <a:t>- Cybersecurity &amp; Data Privacy: 50.0</a:t>
+            </a:r>
+          </a:p>
+          <a:p>
+            <a:pPr>
+              <a:defRPr sz="1200">
+                <a:solidFill>
+                  <a:srgbClr val="000000"/>
+                </a:solidFill>
+                <a:latin typeface="Montserrat"/>
+              </a:defRPr>
+            </a:pPr>
+            <a:r>
+              <a:t>- ESG &amp; Sustainability: 8.1</a:t>
+            </a:r>
+          </a:p>
+          <a:p>
+            <a:pPr>
+              <a:defRPr sz="1200">
+                <a:solidFill>
+                  <a:srgbClr val="000000"/>
+                </a:solidFill>
+                <a:latin typeface="Montserrat"/>
+              </a:defRPr>
+            </a:pPr>
+            <a:r>
+              <a:t>- Financial Health: 32.0</a:t>
+            </a:r>
+          </a:p>
+          <a:p>
+            <a:pPr>
+              <a:defRPr sz="1200">
+                <a:solidFill>
+                  <a:srgbClr val="000000"/>
+                </a:solidFill>
+                <a:latin typeface="Montserrat"/>
+              </a:defRPr>
+            </a:pPr>
+            <a:r>
+              <a:t>- Future Outlook: 9.6</a:t>
+            </a:r>
+          </a:p>
+          <a:p>
+            <a:pPr>
+              <a:defRPr sz="1200">
+                <a:solidFill>
+                  <a:srgbClr val="000000"/>
+                </a:solidFill>
+                <a:latin typeface="Montserrat"/>
+              </a:defRPr>
+            </a:pPr>
+            <a:r>
+              <a:t>- Governance: 43.2</a:t>
+            </a:r>
+          </a:p>
+          <a:p>
+            <a:pPr>
+              <a:defRPr sz="1200">
+                <a:solidFill>
+                  <a:srgbClr val="000000"/>
+                </a:solidFill>
+                <a:latin typeface="Montserrat"/>
+              </a:defRPr>
+            </a:pPr>
+            <a:r>
+              <a:t>- IP &amp; Contracts: 16.8</a:t>
+            </a:r>
+          </a:p>
+          <a:p>
+            <a:pPr>
+              <a:defRPr sz="1200">
+                <a:solidFill>
+                  <a:srgbClr val="000000"/>
+                </a:solidFill>
+                <a:latin typeface="Montserrat"/>
+              </a:defRPr>
+            </a:pPr>
+            <a:r>
+              <a:t>- Legal &amp; Regulatory: 62.5</a:t>
+            </a:r>
+          </a:p>
+          <a:p>
+            <a:pPr>
+              <a:defRPr sz="1200">
+                <a:solidFill>
+                  <a:srgbClr val="000000"/>
+                </a:solidFill>
+                <a:latin typeface="Montserrat"/>
+              </a:defRPr>
+            </a:pPr>
+            <a:r>
+              <a:t>- Risk Management: 18.0</a:t>
+            </a:r>
+          </a:p>
+          <a:p>
+            <a:pPr>
+              <a:defRPr sz="1200">
+                <a:solidFill>
+                  <a:srgbClr val="000000"/>
+                </a:solidFill>
+                <a:latin typeface="Montserrat"/>
+              </a:defRPr>
+            </a:pPr>
+            <a:r>
+              <a:t>- Strategy &amp; Competitive Positioning: 10.8</a:t>
+            </a:r>
+          </a:p>
+          <a:p>
+            <a:pPr>
+              <a:defRPr sz="1200">
+                <a:solidFill>
+                  <a:srgbClr val="000000"/>
+                </a:solidFill>
+                <a:latin typeface="Montserrat"/>
+              </a:defRPr>
+            </a:pPr>
+            <a:r>
+              <a:t>- Technology &amp; Infrastructure: 15.2</a:t>
+            </a:r>
+          </a:p>
+          <a:p>
+            <a:pPr>
+              <a:defRPr sz="1200">
+                <a:solidFill>
+                  <a:srgbClr val="000000"/>
+                </a:solidFill>
+                <a:latin typeface="Montserrat"/>
+              </a:defRPr>
+            </a:pPr>
+            <a:r>
+              <a:t>- Tokenomics &amp; Trading Integrity: 32.4</a:t>
+            </a:r>
+          </a:p>
+          <a:p>
+            <a:pPr>
+              <a:defRPr sz="1200">
+                <a:solidFill>
+                  <a:srgbClr val="000000"/>
+                </a:solidFill>
+                <a:latin typeface="Montserrat"/>
+              </a:defRPr>
+            </a:pPr>
+          </a:p>
+          <a:p>
+            <a:pPr>
+              <a:defRPr sz="1200">
+                <a:solidFill>
+                  <a:srgbClr val="000000"/>
+                </a:solidFill>
+                <a:latin typeface="Montserrat"/>
+              </a:defRPr>
+            </a:pPr>
+            <a:r>
+              <a:t>Summary:</a:t>
+            </a:r>
+          </a:p>
+          <a:p>
+            <a:pPr>
+              <a:defRPr sz="1200">
+                <a:solidFill>
+                  <a:srgbClr val="000000"/>
+                </a:solidFill>
+                <a:latin typeface="Montserrat"/>
+              </a:defRPr>
+            </a:pPr>
+            <a:r>
+              <a:t>- Total Topics: 14</a:t>
+            </a:r>
+          </a:p>
+          <a:p>
+            <a:pPr>
+              <a:defRPr sz="1200">
+                <a:solidFill>
+                  <a:srgbClr val="000000"/>
+                </a:solidFill>
+                <a:latin typeface="Montserrat"/>
+              </a:defRPr>
+            </a:pPr>
+            <a:r>
+              <a:t>- High Risk (&gt;=60): 2</a:t>
+            </a:r>
+          </a:p>
+          <a:p>
+            <a:pPr>
+              <a:defRPr sz="1200">
+                <a:solidFill>
+                  <a:srgbClr val="000000"/>
+                </a:solidFill>
+                <a:latin typeface="Montserrat"/>
+              </a:defRPr>
+            </a:pPr>
+            <a:r>
+              <a:t>- Medium Risk (30-60): 5</a:t>
+            </a:r>
+          </a:p>
+          <a:p>
+            <a:pPr>
+              <a:defRPr sz="1200">
+                <a:solidFill>
+                  <a:srgbClr val="000000"/>
+                </a:solidFill>
+                <a:latin typeface="Montserrat"/>
+              </a:defRPr>
+            </a:pPr>
+            <a:r>
+              <a:t>- Low Risk (&lt;30): 7</a:t>
+            </a:r>
+          </a:p>
+          <a:p>
+            <a:pPr>
+              <a:defRPr sz="1200">
+                <a:solidFill>
+                  <a:srgbClr val="000000"/>
+                </a:solidFill>
+                <a:latin typeface="Montserrat"/>
+              </a:defRPr>
+            </a:pPr>
+            <a:r>
+              <a:t>- Avg Risk Score: 33.6</a:t>
+            </a:r>
+          </a:p>
+          <a:p>
+            <a:pPr>
+              <a:defRPr sz="1200">
+                <a:solidFill>
+                  <a:srgbClr val="000000"/>
+                </a:solidFill>
+                <a:latin typeface="Montserrat"/>
+              </a:defRPr>
+            </a:pPr>
+            <a:r>
+              <a:t>- Critical Gaps: AML / KYC, Legal &amp; Regulatory</a:t>
+            </a:r>
+          </a:p>
+        </p:txBody>
+      </p:sp>
+      <p:sp>
+        <p:nvSpPr>
+          <p:cNvPr id="7" name="TextBox 6"/>
           <p:cNvSpPr txBox="1"/>
           <p:nvPr/>
         </p:nvSpPr>
         <p:spPr>
           <a:xfrm>
-            <a:off x="4114800" y="6217920"/>
-            <a:ext cx="1828800" cy="274320"/>
+            <a:off x="8229600" y="6400800"/>
+            <a:ext cx="914400" cy="274320"/>
           </a:xfrm>
           <a:prstGeom prst="rect">
             <a:avLst/>
@@ -5282,14 +5076,15 @@
           <a:lstStyle/>
           <a:p>
             <a:pPr>
-              <a:defRPr sz="1000">
-                <a:solidFill>
-                  <a:srgbClr val="646464"/>
-                </a:solidFill>
-              </a:defRPr>
-            </a:pPr>
-            <a:r>
-              <a:t>Page 5</a:t>
+              <a:defRPr sz="1000" b="1">
+                <a:solidFill>
+                  <a:srgbClr val="000000"/>
+                </a:solidFill>
+                <a:latin typeface="Montserrat"/>
+              </a:defRPr>
+            </a:pPr>
+            <a:r>
+              <a:t>Page 4</a:t>
             </a:r>
           </a:p>
         </p:txBody>
@@ -5305,6 +5100,22 @@
 <file path=ppt/slides/slide6.xml><?xml version="1.0" encoding="utf-8"?>
 <p:sld xmlns:a="http://schemas.openxmlformats.org/drawingml/2006/main" xmlns:p="http://schemas.openxmlformats.org/presentationml/2006/main" xmlns:r="http://schemas.openxmlformats.org/officeDocument/2006/relationships">
   <p:cSld>
+    <p:bg>
+      <p:bgPr>
+        <a:gradFill rotWithShape="1">
+          <a:gsLst>
+            <a:gs pos="0">
+              <a:srgbClr val="FFFFFF"/>
+            </a:gs>
+            <a:gs pos="100000">
+              <a:srgbClr val="FFFFFF"/>
+            </a:gs>
+          </a:gsLst>
+          <a:lin scaled="0"/>
+        </a:gradFill>
+        <a:effectLst/>
+      </p:bgPr>
+    </p:bg>
     <p:spTree>
       <p:nvGrpSpPr>
         <p:cNvPr id="1" name=""/>
@@ -5312,65 +5123,64 @@
         <p:nvPr/>
       </p:nvGrpSpPr>
       <p:grpSpPr/>
-      <p:sp>
-        <p:nvSpPr>
-          <p:cNvPr id="2" name="Rectangle 1"/>
-          <p:cNvSpPr/>
+      <p:pic>
+        <p:nvPicPr>
+          <p:cNvPr id="2" name="Picture 1" descr="dueexpert.png"/>
+          <p:cNvPicPr>
+            <a:picLocks noChangeAspect="1"/>
+          </p:cNvPicPr>
           <p:nvPr/>
-        </p:nvSpPr>
+        </p:nvPicPr>
+        <p:blipFill>
+          <a:blip r:embed="rId2"/>
+          <a:stretch>
+            <a:fillRect/>
+          </a:stretch>
+        </p:blipFill>
         <p:spPr>
           <a:xfrm>
-            <a:off x="0" y="0"/>
-            <a:ext cx="9144000" cy="548640"/>
+            <a:off x="274320" y="91440"/>
+            <a:ext cx="2342917" cy="548640"/>
           </a:xfrm>
           <a:prstGeom prst="rect">
             <a:avLst/>
           </a:prstGeom>
-          <a:solidFill>
-            <a:srgbClr val="003366"/>
-          </a:solidFill>
         </p:spPr>
-        <p:style>
-          <a:lnRef idx="1">
-            <a:schemeClr val="accent1"/>
-          </a:lnRef>
-          <a:fillRef idx="3">
-            <a:schemeClr val="accent1"/>
-          </a:fillRef>
-          <a:effectRef idx="2">
-            <a:schemeClr val="accent1"/>
-          </a:effectRef>
-          <a:fontRef idx="minor">
-            <a:schemeClr val="lt1"/>
-          </a:fontRef>
-        </p:style>
-        <p:txBody>
-          <a:bodyPr rtlCol="0" anchor="ctr"/>
-          <a:lstStyle/>
-          <a:p>
-            <a:pPr>
-              <a:defRPr b="1" sz="2000">
-                <a:solidFill>
-                  <a:srgbClr val="FFFFFF"/>
-                </a:solidFill>
-              </a:defRPr>
-            </a:pPr>
-            <a:r>
-              <a:t>  Cybersecurity &amp; Data Privacy</a:t>
-            </a:r>
-          </a:p>
-        </p:txBody>
-      </p:sp>
-      <p:sp>
-        <p:nvSpPr>
-          <p:cNvPr id="3" name="TextBox 2"/>
+      </p:pic>
+      <p:pic>
+        <p:nvPicPr>
+          <p:cNvPr id="3" name="Picture 2" descr="VALUE.png"/>
+          <p:cNvPicPr>
+            <a:picLocks noChangeAspect="1"/>
+          </p:cNvPicPr>
+          <p:nvPr/>
+        </p:nvPicPr>
+        <p:blipFill>
+          <a:blip r:embed="rId3"/>
+          <a:stretch>
+            <a:fillRect/>
+          </a:stretch>
+        </p:blipFill>
+        <p:spPr>
+          <a:xfrm>
+            <a:off x="9418320" y="6126480"/>
+            <a:ext cx="1405150" cy="548640"/>
+          </a:xfrm>
+          <a:prstGeom prst="rect">
+            <a:avLst/>
+          </a:prstGeom>
+        </p:spPr>
+      </p:pic>
+      <p:sp>
+        <p:nvSpPr>
+          <p:cNvPr id="4" name="TextBox 3"/>
           <p:cNvSpPr txBox="1"/>
           <p:nvPr/>
         </p:nvSpPr>
         <p:spPr>
           <a:xfrm>
-            <a:off x="457200" y="914400"/>
-            <a:ext cx="8229600" cy="1828800"/>
+            <a:off x="457200" y="6400800"/>
+            <a:ext cx="8229600" cy="274320"/>
           </a:xfrm>
           <a:prstGeom prst="rect">
             <a:avLst/>
@@ -5378,59 +5188,35 @@
           <a:noFill/>
         </p:spPr>
         <p:txBody>
-          <a:bodyPr wrap="square">
+          <a:bodyPr wrap="none">
             <a:spAutoFit/>
           </a:bodyPr>
           <a:lstStyle/>
           <a:p>
             <a:pPr>
-              <a:defRPr b="1" sz="1400"/>
-            </a:pPr>
-            <a:r>
-              <a:t>Summary Findings:</a:t>
-            </a:r>
-          </a:p>
-          <a:p>
-            <a:pPr>
-              <a:defRPr sz="1300"/>
-            </a:pPr>
-            <a:r>
-              <a:t>- Unfortunately, the text does not mention a specific blockchain technology being used by the CryptoBazar Fund</a:t>
-            </a:r>
-          </a:p>
-          <a:p>
-            <a:pPr>
-              <a:defRPr sz="1300"/>
-            </a:pPr>
-            <a:r>
-              <a:t>- Unfortunately, I don't see any specific information regarding cybersecurity measures mentioned in the provided text</a:t>
-            </a:r>
-          </a:p>
-          <a:p>
-            <a:pPr>
-              <a:defRPr sz="1300"/>
-            </a:pPr>
-            <a:r>
-              <a:t>- Unfortunately, I couldn't find any information in the provided text that directly answers your question about whether two-factor authentication and end-to-end encryption are used.</a:t>
-            </a:r>
-            <a:br/>
-            <a:br/>
-            <a:r>
-              <a:t>However, the provid</a:t>
-            </a:r>
-          </a:p>
-        </p:txBody>
-      </p:sp>
-      <p:sp>
-        <p:nvSpPr>
-          <p:cNvPr id="4" name="TextBox 3"/>
+              <a:defRPr sz="1000" b="1">
+                <a:solidFill>
+                  <a:srgbClr val="000000"/>
+                </a:solidFill>
+                <a:latin typeface="Montserrat"/>
+              </a:defRPr>
+            </a:pPr>
+            <a:r>
+              <a:t>DueXpert – AI Crypto Fund Due Diligence Suite | Risk Visualization</a:t>
+            </a:r>
+          </a:p>
+        </p:txBody>
+      </p:sp>
+      <p:sp>
+        <p:nvSpPr>
+          <p:cNvPr id="5" name="TextBox 4"/>
           <p:cNvSpPr txBox="1"/>
           <p:nvPr/>
         </p:nvSpPr>
         <p:spPr>
           <a:xfrm>
-            <a:off x="457200" y="2926080"/>
-            <a:ext cx="8229600" cy="1371600"/>
+            <a:off x="731520" y="457200"/>
+            <a:ext cx="7315200" cy="457200"/>
           </a:xfrm>
           <a:prstGeom prst="rect">
             <a:avLst/>
@@ -5438,38 +5224,53 @@
           <a:noFill/>
         </p:spPr>
         <p:txBody>
-          <a:bodyPr wrap="square">
+          <a:bodyPr wrap="none">
             <a:spAutoFit/>
           </a:bodyPr>
           <a:lstStyle/>
           <a:p>
             <a:pPr>
-              <a:defRPr b="1" sz="1400"/>
-            </a:pPr>
-            <a:r>
-              <a:t>Key Issues / Missing Info:</a:t>
-            </a:r>
-          </a:p>
-          <a:p>
-            <a:pPr>
-              <a:defRPr sz="1300"/>
-            </a:pPr>
-            <a:r>
-              <a:t>- Are there any intrusion detection systems or firewalls?</a:t>
-            </a:r>
-          </a:p>
-        </p:txBody>
-      </p:sp>
-      <p:sp>
-        <p:nvSpPr>
-          <p:cNvPr id="5" name="TextBox 4"/>
+              <a:defRPr sz="2400" b="1">
+                <a:solidFill>
+                  <a:srgbClr val="365FC7"/>
+                </a:solidFill>
+                <a:latin typeface="Montserrat"/>
+              </a:defRPr>
+            </a:pPr>
+            <a:r>
+              <a:t>5. Risk Visualization</a:t>
+            </a:r>
+          </a:p>
+        </p:txBody>
+      </p:sp>
+      <p:graphicFrame>
+        <p:nvGraphicFramePr>
+          <p:cNvPr id="6" name="Chart 5"/>
+          <p:cNvGraphicFramePr>
+            <a:graphicFrameLocks noGrp="1"/>
+          </p:cNvGraphicFramePr>
+          <p:nvPr/>
+        </p:nvGraphicFramePr>
+        <p:xfrm>
+          <a:off x="731520" y="1097280"/>
+          <a:ext cx="9144000" cy="4572000"/>
+        </p:xfrm>
+        <a:graphic>
+          <a:graphicData uri="http://schemas.openxmlformats.org/drawingml/2006/chart">
+            <c:chart xmlns:c="http://schemas.openxmlformats.org/drawingml/2006/chart" r:id="rId4"/>
+          </a:graphicData>
+        </a:graphic>
+      </p:graphicFrame>
+      <p:sp>
+        <p:nvSpPr>
+          <p:cNvPr id="7" name="TextBox 6"/>
           <p:cNvSpPr txBox="1"/>
           <p:nvPr/>
         </p:nvSpPr>
         <p:spPr>
           <a:xfrm>
-            <a:off x="457200" y="4572000"/>
-            <a:ext cx="8229600" cy="731520"/>
+            <a:off x="8229600" y="6400800"/>
+            <a:ext cx="914400" cy="274320"/>
           </a:xfrm>
           <a:prstGeom prst="rect">
             <a:avLst/>
@@ -5477,51 +5278,21 @@
           <a:noFill/>
         </p:spPr>
         <p:txBody>
-          <a:bodyPr wrap="square">
-            <a:spAutoFit/>
-          </a:bodyPr>
-          <a:lstStyle/>
-          <a:p>
-            <a:pPr>
-              <a:defRPr sz="1300" b="1"/>
-            </a:pPr>
-            <a:r>
-              <a:t>Risk Assessment: Low Risk</a:t>
-            </a:r>
-          </a:p>
-        </p:txBody>
-      </p:sp>
-      <p:sp>
-        <p:nvSpPr>
-          <p:cNvPr id="6" name="TextBox 5"/>
-          <p:cNvSpPr txBox="1"/>
-          <p:nvPr/>
-        </p:nvSpPr>
-        <p:spPr>
-          <a:xfrm>
-            <a:off x="4114800" y="6217920"/>
-            <a:ext cx="1828800" cy="274320"/>
-          </a:xfrm>
-          <a:prstGeom prst="rect">
-            <a:avLst/>
-          </a:prstGeom>
-          <a:noFill/>
-        </p:spPr>
-        <p:txBody>
           <a:bodyPr wrap="none">
             <a:spAutoFit/>
           </a:bodyPr>
           <a:lstStyle/>
           <a:p>
             <a:pPr>
-              <a:defRPr sz="1000">
-                <a:solidFill>
-                  <a:srgbClr val="646464"/>
-                </a:solidFill>
-              </a:defRPr>
-            </a:pPr>
-            <a:r>
-              <a:t>Page 6</a:t>
+              <a:defRPr sz="1000" b="1">
+                <a:solidFill>
+                  <a:srgbClr val="000000"/>
+                </a:solidFill>
+                <a:latin typeface="Montserrat"/>
+              </a:defRPr>
+            </a:pPr>
+            <a:r>
+              <a:t>Page 5</a:t>
             </a:r>
           </a:p>
         </p:txBody>
@@ -5537,6 +5308,22 @@
 <file path=ppt/slides/slide7.xml><?xml version="1.0" encoding="utf-8"?>
 <p:sld xmlns:a="http://schemas.openxmlformats.org/drawingml/2006/main" xmlns:p="http://schemas.openxmlformats.org/presentationml/2006/main" xmlns:r="http://schemas.openxmlformats.org/officeDocument/2006/relationships">
   <p:cSld>
+    <p:bg>
+      <p:bgPr>
+        <a:gradFill rotWithShape="1">
+          <a:gsLst>
+            <a:gs pos="0">
+              <a:srgbClr val="FFFFFF"/>
+            </a:gs>
+            <a:gs pos="100000">
+              <a:srgbClr val="FFFFFF"/>
+            </a:gs>
+          </a:gsLst>
+          <a:lin scaled="0"/>
+        </a:gradFill>
+        <a:effectLst/>
+      </p:bgPr>
+    </p:bg>
     <p:spTree>
       <p:nvGrpSpPr>
         <p:cNvPr id="1" name=""/>
@@ -5544,65 +5331,64 @@
         <p:nvPr/>
       </p:nvGrpSpPr>
       <p:grpSpPr/>
-      <p:sp>
-        <p:nvSpPr>
-          <p:cNvPr id="2" name="Rectangle 1"/>
-          <p:cNvSpPr/>
+      <p:pic>
+        <p:nvPicPr>
+          <p:cNvPr id="2" name="Picture 1" descr="dueexpert.png"/>
+          <p:cNvPicPr>
+            <a:picLocks noChangeAspect="1"/>
+          </p:cNvPicPr>
           <p:nvPr/>
-        </p:nvSpPr>
+        </p:nvPicPr>
+        <p:blipFill>
+          <a:blip r:embed="rId2"/>
+          <a:stretch>
+            <a:fillRect/>
+          </a:stretch>
+        </p:blipFill>
         <p:spPr>
           <a:xfrm>
-            <a:off x="0" y="0"/>
-            <a:ext cx="9144000" cy="548640"/>
+            <a:off x="274320" y="91440"/>
+            <a:ext cx="2342917" cy="548640"/>
           </a:xfrm>
           <a:prstGeom prst="rect">
             <a:avLst/>
           </a:prstGeom>
-          <a:solidFill>
-            <a:srgbClr val="003366"/>
-          </a:solidFill>
         </p:spPr>
-        <p:style>
-          <a:lnRef idx="1">
-            <a:schemeClr val="accent1"/>
-          </a:lnRef>
-          <a:fillRef idx="3">
-            <a:schemeClr val="accent1"/>
-          </a:fillRef>
-          <a:effectRef idx="2">
-            <a:schemeClr val="accent1"/>
-          </a:effectRef>
-          <a:fontRef idx="minor">
-            <a:schemeClr val="lt1"/>
-          </a:fontRef>
-        </p:style>
-        <p:txBody>
-          <a:bodyPr rtlCol="0" anchor="ctr"/>
-          <a:lstStyle/>
-          <a:p>
-            <a:pPr>
-              <a:defRPr b="1" sz="2000">
-                <a:solidFill>
-                  <a:srgbClr val="FFFFFF"/>
-                </a:solidFill>
-              </a:defRPr>
-            </a:pPr>
-            <a:r>
-              <a:t>  ESG &amp; Sustainability</a:t>
-            </a:r>
-          </a:p>
-        </p:txBody>
-      </p:sp>
-      <p:sp>
-        <p:nvSpPr>
-          <p:cNvPr id="3" name="TextBox 2"/>
+      </p:pic>
+      <p:pic>
+        <p:nvPicPr>
+          <p:cNvPr id="3" name="Picture 2" descr="VALUE.png"/>
+          <p:cNvPicPr>
+            <a:picLocks noChangeAspect="1"/>
+          </p:cNvPicPr>
+          <p:nvPr/>
+        </p:nvPicPr>
+        <p:blipFill>
+          <a:blip r:embed="rId3"/>
+          <a:stretch>
+            <a:fillRect/>
+          </a:stretch>
+        </p:blipFill>
+        <p:spPr>
+          <a:xfrm>
+            <a:off x="9418320" y="6126480"/>
+            <a:ext cx="1405150" cy="548640"/>
+          </a:xfrm>
+          <a:prstGeom prst="rect">
+            <a:avLst/>
+          </a:prstGeom>
+        </p:spPr>
+      </p:pic>
+      <p:sp>
+        <p:nvSpPr>
+          <p:cNvPr id="4" name="TextBox 3"/>
           <p:cNvSpPr txBox="1"/>
           <p:nvPr/>
         </p:nvSpPr>
         <p:spPr>
           <a:xfrm>
-            <a:off x="457200" y="914400"/>
-            <a:ext cx="8229600" cy="1828800"/>
+            <a:off x="457200" y="6400800"/>
+            <a:ext cx="8229600" cy="274320"/>
           </a:xfrm>
           <a:prstGeom prst="rect">
             <a:avLst/>
@@ -5610,54 +5396,35 @@
           <a:noFill/>
         </p:spPr>
         <p:txBody>
-          <a:bodyPr wrap="square">
+          <a:bodyPr wrap="none">
             <a:spAutoFit/>
           </a:bodyPr>
           <a:lstStyle/>
           <a:p>
             <a:pPr>
-              <a:defRPr b="1" sz="1400"/>
-            </a:pPr>
-            <a:r>
-              <a:t>Summary Findings:</a:t>
-            </a:r>
-          </a:p>
-          <a:p>
-            <a:pPr>
-              <a:defRPr sz="1300"/>
-            </a:pPr>
-            <a:r>
-              <a:t>- Based on the provided document, it appears that the revenue diversification is not explicitly discussed</a:t>
-            </a:r>
-          </a:p>
-          <a:p>
-            <a:pPr>
-              <a:defRPr sz="1300"/>
-            </a:pPr>
-            <a:r>
-              <a:t>- There is no mention of initiatives to reduce energy consumption in the provided text</a:t>
-            </a:r>
-          </a:p>
-          <a:p>
-            <a:pPr>
-              <a:defRPr sz="1300"/>
-            </a:pPr>
-            <a:r>
-              <a:t>- There is no mention of sustainability practices or policies in the provided text</a:t>
-            </a:r>
-          </a:p>
-        </p:txBody>
-      </p:sp>
-      <p:sp>
-        <p:nvSpPr>
-          <p:cNvPr id="4" name="TextBox 3"/>
+              <a:defRPr sz="1000" b="1">
+                <a:solidFill>
+                  <a:srgbClr val="000000"/>
+                </a:solidFill>
+                <a:latin typeface="Montserrat"/>
+              </a:defRPr>
+            </a:pPr>
+            <a:r>
+              <a:t>DueXpert – AI Crypto Fund Due Diligence Suite | Recommendations</a:t>
+            </a:r>
+          </a:p>
+        </p:txBody>
+      </p:sp>
+      <p:sp>
+        <p:nvSpPr>
+          <p:cNvPr id="5" name="TextBox 4"/>
           <p:cNvSpPr txBox="1"/>
           <p:nvPr/>
         </p:nvSpPr>
         <p:spPr>
           <a:xfrm>
-            <a:off x="457200" y="2926080"/>
-            <a:ext cx="8229600" cy="1371600"/>
+            <a:off x="731520" y="457200"/>
+            <a:ext cx="7315200" cy="457200"/>
           </a:xfrm>
           <a:prstGeom prst="rect">
             <a:avLst/>
@@ -5665,54 +5432,35 @@
           <a:noFill/>
         </p:spPr>
         <p:txBody>
-          <a:bodyPr wrap="square">
+          <a:bodyPr wrap="none">
             <a:spAutoFit/>
           </a:bodyPr>
           <a:lstStyle/>
           <a:p>
             <a:pPr>
-              <a:defRPr b="1" sz="1400"/>
-            </a:pPr>
-            <a:r>
-              <a:t>Key Issues / Missing Info:</a:t>
-            </a:r>
-          </a:p>
-          <a:p>
-            <a:pPr>
-              <a:defRPr sz="1300"/>
-            </a:pPr>
-            <a:r>
-              <a:t>- What is the carbon footprint of the company's operations?</a:t>
-            </a:r>
-          </a:p>
-          <a:p>
-            <a:pPr>
-              <a:defRPr sz="1300"/>
-            </a:pPr>
-            <a:r>
-              <a:t>- Are there any initiatives to reduce this footprint?</a:t>
-            </a:r>
-          </a:p>
-          <a:p>
-            <a:pPr>
-              <a:defRPr sz="1300"/>
-            </a:pPr>
-            <a:r>
-              <a:t>- - Has an environmental impact assessment been conducted?</a:t>
-            </a:r>
-          </a:p>
-        </p:txBody>
-      </p:sp>
-      <p:sp>
-        <p:nvSpPr>
-          <p:cNvPr id="5" name="TextBox 4"/>
+              <a:defRPr sz="2400" b="1">
+                <a:solidFill>
+                  <a:srgbClr val="365FC7"/>
+                </a:solidFill>
+                <a:latin typeface="Montserrat"/>
+              </a:defRPr>
+            </a:pPr>
+            <a:r>
+              <a:t>6. Recommendations</a:t>
+            </a:r>
+          </a:p>
+        </p:txBody>
+      </p:sp>
+      <p:sp>
+        <p:nvSpPr>
+          <p:cNvPr id="6" name="TextBox 5"/>
           <p:cNvSpPr txBox="1"/>
           <p:nvPr/>
         </p:nvSpPr>
         <p:spPr>
           <a:xfrm>
-            <a:off x="457200" y="4572000"/>
-            <a:ext cx="8229600" cy="731520"/>
+            <a:off x="731520" y="1097280"/>
+            <a:ext cx="9144000" cy="5029200"/>
           </a:xfrm>
           <a:prstGeom prst="rect">
             <a:avLst/>
@@ -5726,24 +5474,107 @@
           <a:lstStyle/>
           <a:p>
             <a:pPr>
-              <a:defRPr sz="1300" b="1"/>
-            </a:pPr>
-            <a:r>
-              <a:t>Risk Assessment: Low Risk</a:t>
-            </a:r>
-          </a:p>
-        </p:txBody>
-      </p:sp>
-      <p:sp>
-        <p:nvSpPr>
-          <p:cNvPr id="6" name="TextBox 5"/>
+              <a:defRPr sz="1200">
+                <a:solidFill>
+                  <a:srgbClr val="000000"/>
+                </a:solidFill>
+                <a:latin typeface="Montserrat"/>
+              </a:defRPr>
+            </a:pPr>
+            <a:r>
+              <a:t>- Strengthen AML / KYC: High risk detected (100.0). Address missing criteria: AML policies, KYC procedures, compliance measures....</a:t>
+            </a:r>
+          </a:p>
+          <a:p>
+            <a:pPr>
+              <a:defRPr sz="1200">
+                <a:solidFill>
+                  <a:srgbClr val="000000"/>
+                </a:solidFill>
+                <a:latin typeface="Montserrat"/>
+              </a:defRPr>
+            </a:pPr>
+            <a:r>
+              <a:t>- Review Custody &amp; Asset Security: Moderate risk (50.0). Ensure compliance with asset storage, asset ownership verification.</a:t>
+            </a:r>
+          </a:p>
+          <a:p>
+            <a:pPr>
+              <a:defRPr sz="1200">
+                <a:solidFill>
+                  <a:srgbClr val="000000"/>
+                </a:solidFill>
+                <a:latin typeface="Montserrat"/>
+              </a:defRPr>
+            </a:pPr>
+            <a:r>
+              <a:t>- Review Cybersecurity &amp; Data Privacy: Moderate risk (50.0). Ensure compliance with blockchain technology, data protection policy.</a:t>
+            </a:r>
+          </a:p>
+          <a:p>
+            <a:pPr>
+              <a:defRPr sz="1200">
+                <a:solidFill>
+                  <a:srgbClr val="000000"/>
+                </a:solidFill>
+                <a:latin typeface="Montserrat"/>
+              </a:defRPr>
+            </a:pPr>
+            <a:r>
+              <a:t>- Review Financial Health: Moderate risk (32.0). Ensure compliance with tax disputes.</a:t>
+            </a:r>
+          </a:p>
+          <a:p>
+            <a:pPr>
+              <a:defRPr sz="1200">
+                <a:solidFill>
+                  <a:srgbClr val="000000"/>
+                </a:solidFill>
+                <a:latin typeface="Montserrat"/>
+              </a:defRPr>
+            </a:pPr>
+            <a:r>
+              <a:t>- Review Governance: Moderate risk (43.2). Ensure compliance with conflict of interest policies, external audits....</a:t>
+            </a:r>
+          </a:p>
+          <a:p>
+            <a:pPr>
+              <a:defRPr sz="1200">
+                <a:solidFill>
+                  <a:srgbClr val="000000"/>
+                </a:solidFill>
+                <a:latin typeface="Montserrat"/>
+              </a:defRPr>
+            </a:pPr>
+            <a:r>
+              <a:t>- Strengthen Legal &amp; Regulatory: High risk detected (62.5). Address missing criteria: international law compliance, sanctions monitoring.</a:t>
+            </a:r>
+          </a:p>
+          <a:p>
+            <a:pPr>
+              <a:defRPr sz="1200">
+                <a:solidFill>
+                  <a:srgbClr val="000000"/>
+                </a:solidFill>
+                <a:latin typeface="Montserrat"/>
+              </a:defRPr>
+            </a:pPr>
+            <a:r>
+              <a:t>- Review Tokenomics &amp; Trading Integrity: Moderate risk (32.4). Ensure compliance with securities compliance, valuation consistency....</a:t>
+            </a:r>
+          </a:p>
+        </p:txBody>
+      </p:sp>
+      <p:sp>
+        <p:nvSpPr>
+          <p:cNvPr id="7" name="TextBox 6"/>
           <p:cNvSpPr txBox="1"/>
           <p:nvPr/>
         </p:nvSpPr>
         <p:spPr>
           <a:xfrm>
-            <a:off x="4114800" y="6217920"/>
-            <a:ext cx="1828800" cy="274320"/>
+            <a:off x="8229600" y="6400800"/>
+            <a:ext cx="914400" cy="274320"/>
           </a:xfrm>
           <a:prstGeom prst="rect">
             <a:avLst/>
@@ -5757,481 +5588,15 @@
           <a:lstStyle/>
           <a:p>
             <a:pPr>
-              <a:defRPr sz="1000">
-                <a:solidFill>
-                  <a:srgbClr val="646464"/>
-                </a:solidFill>
-              </a:defRPr>
-            </a:pPr>
-            <a:r>
-              <a:t>Page 7</a:t>
-            </a:r>
-          </a:p>
-        </p:txBody>
-      </p:sp>
-    </p:spTree>
-  </p:cSld>
-  <p:clrMapOvr>
-    <a:masterClrMapping/>
-  </p:clrMapOvr>
-</p:sld>
-</file>
-
-<file path=ppt/slides/slide8.xml><?xml version="1.0" encoding="utf-8"?>
-<p:sld xmlns:a="http://schemas.openxmlformats.org/drawingml/2006/main" xmlns:p="http://schemas.openxmlformats.org/presentationml/2006/main" xmlns:r="http://schemas.openxmlformats.org/officeDocument/2006/relationships">
-  <p:cSld>
-    <p:spTree>
-      <p:nvGrpSpPr>
-        <p:cNvPr id="1" name=""/>
-        <p:cNvGrpSpPr/>
-        <p:nvPr/>
-      </p:nvGrpSpPr>
-      <p:grpSpPr/>
-      <p:sp>
-        <p:nvSpPr>
-          <p:cNvPr id="2" name="Rectangle 1"/>
-          <p:cNvSpPr/>
-          <p:nvPr/>
-        </p:nvSpPr>
-        <p:spPr>
-          <a:xfrm>
-            <a:off x="0" y="0"/>
-            <a:ext cx="9144000" cy="548640"/>
-          </a:xfrm>
-          <a:prstGeom prst="rect">
-            <a:avLst/>
-          </a:prstGeom>
-          <a:solidFill>
-            <a:srgbClr val="003366"/>
-          </a:solidFill>
-        </p:spPr>
-        <p:style>
-          <a:lnRef idx="1">
-            <a:schemeClr val="accent1"/>
-          </a:lnRef>
-          <a:fillRef idx="3">
-            <a:schemeClr val="accent1"/>
-          </a:fillRef>
-          <a:effectRef idx="2">
-            <a:schemeClr val="accent1"/>
-          </a:effectRef>
-          <a:fontRef idx="minor">
-            <a:schemeClr val="lt1"/>
-          </a:fontRef>
-        </p:style>
-        <p:txBody>
-          <a:bodyPr rtlCol="0" anchor="ctr"/>
-          <a:lstStyle/>
-          <a:p>
-            <a:pPr>
-              <a:defRPr b="1" sz="2000">
-                <a:solidFill>
-                  <a:srgbClr val="FFFFFF"/>
-                </a:solidFill>
-              </a:defRPr>
-            </a:pPr>
-            <a:r>
-              <a:t>  Financial Health</a:t>
-            </a:r>
-          </a:p>
-        </p:txBody>
-      </p:sp>
-      <p:sp>
-        <p:nvSpPr>
-          <p:cNvPr id="3" name="TextBox 2"/>
-          <p:cNvSpPr txBox="1"/>
-          <p:nvPr/>
-        </p:nvSpPr>
-        <p:spPr>
-          <a:xfrm>
-            <a:off x="457200" y="914400"/>
-            <a:ext cx="8229600" cy="1828800"/>
-          </a:xfrm>
-          <a:prstGeom prst="rect">
-            <a:avLst/>
-          </a:prstGeom>
-          <a:noFill/>
-        </p:spPr>
-        <p:txBody>
-          <a:bodyPr wrap="square">
-            <a:spAutoFit/>
-          </a:bodyPr>
-          <a:lstStyle/>
-          <a:p>
-            <a:pPr>
-              <a:defRPr b="1" sz="1400"/>
-            </a:pPr>
-            <a:r>
-              <a:t>Summary Findings:</a:t>
-            </a:r>
-          </a:p>
-          <a:p>
-            <a:pPr>
-              <a:defRPr sz="1300"/>
-            </a:pPr>
-            <a:r>
-              <a:t>- Based on the provided text, there is no specific mention of "disputes" that could lead to potential financial exposures</a:t>
-            </a:r>
-          </a:p>
-          <a:p>
-            <a:pPr>
-              <a:defRPr sz="1300"/>
-            </a:pPr>
-            <a:r>
-              <a:t>- The answer is not explicitly mentioned in the provided text</a:t>
-            </a:r>
-          </a:p>
-          <a:p>
-            <a:pPr>
-              <a:defRPr sz="1300"/>
-            </a:pPr>
-            <a:r>
-              <a:t>- The document provided does not contain comprehensive financial information about the company's financial health</a:t>
-            </a:r>
-          </a:p>
-        </p:txBody>
-      </p:sp>
-      <p:sp>
-        <p:nvSpPr>
-          <p:cNvPr id="4" name="TextBox 3"/>
-          <p:cNvSpPr txBox="1"/>
-          <p:nvPr/>
-        </p:nvSpPr>
-        <p:spPr>
-          <a:xfrm>
-            <a:off x="457200" y="2926080"/>
-            <a:ext cx="8229600" cy="1371600"/>
-          </a:xfrm>
-          <a:prstGeom prst="rect">
-            <a:avLst/>
-          </a:prstGeom>
-          <a:noFill/>
-        </p:spPr>
-        <p:txBody>
-          <a:bodyPr wrap="square">
-            <a:spAutoFit/>
-          </a:bodyPr>
-          <a:lstStyle/>
-          <a:p>
-            <a:pPr>
-              <a:defRPr b="1" sz="1400"/>
-            </a:pPr>
-            <a:r>
-              <a:t>Key Issues / Missing Info:</a:t>
-            </a:r>
-          </a:p>
-        </p:txBody>
-      </p:sp>
-      <p:sp>
-        <p:nvSpPr>
-          <p:cNvPr id="5" name="TextBox 4"/>
-          <p:cNvSpPr txBox="1"/>
-          <p:nvPr/>
-        </p:nvSpPr>
-        <p:spPr>
-          <a:xfrm>
-            <a:off x="457200" y="4572000"/>
-            <a:ext cx="8229600" cy="731520"/>
-          </a:xfrm>
-          <a:prstGeom prst="rect">
-            <a:avLst/>
-          </a:prstGeom>
-          <a:noFill/>
-        </p:spPr>
-        <p:txBody>
-          <a:bodyPr wrap="square">
-            <a:spAutoFit/>
-          </a:bodyPr>
-          <a:lstStyle/>
-          <a:p>
-            <a:pPr>
-              <a:defRPr sz="1300" b="1"/>
-            </a:pPr>
-            <a:r>
-              <a:t>Risk Assessment: Low Risk</a:t>
-            </a:r>
-          </a:p>
-        </p:txBody>
-      </p:sp>
-      <p:sp>
-        <p:nvSpPr>
-          <p:cNvPr id="6" name="TextBox 5"/>
-          <p:cNvSpPr txBox="1"/>
-          <p:nvPr/>
-        </p:nvSpPr>
-        <p:spPr>
-          <a:xfrm>
-            <a:off x="4114800" y="6217920"/>
-            <a:ext cx="1828800" cy="274320"/>
-          </a:xfrm>
-          <a:prstGeom prst="rect">
-            <a:avLst/>
-          </a:prstGeom>
-          <a:noFill/>
-        </p:spPr>
-        <p:txBody>
-          <a:bodyPr wrap="none">
-            <a:spAutoFit/>
-          </a:bodyPr>
-          <a:lstStyle/>
-          <a:p>
-            <a:pPr>
-              <a:defRPr sz="1000">
-                <a:solidFill>
-                  <a:srgbClr val="646464"/>
-                </a:solidFill>
-              </a:defRPr>
-            </a:pPr>
-            <a:r>
-              <a:t>Page 8</a:t>
-            </a:r>
-          </a:p>
-        </p:txBody>
-      </p:sp>
-    </p:spTree>
-  </p:cSld>
-  <p:clrMapOvr>
-    <a:masterClrMapping/>
-  </p:clrMapOvr>
-</p:sld>
-</file>
-
-<file path=ppt/slides/slide9.xml><?xml version="1.0" encoding="utf-8"?>
-<p:sld xmlns:a="http://schemas.openxmlformats.org/drawingml/2006/main" xmlns:p="http://schemas.openxmlformats.org/presentationml/2006/main" xmlns:r="http://schemas.openxmlformats.org/officeDocument/2006/relationships">
-  <p:cSld>
-    <p:spTree>
-      <p:nvGrpSpPr>
-        <p:cNvPr id="1" name=""/>
-        <p:cNvGrpSpPr/>
-        <p:nvPr/>
-      </p:nvGrpSpPr>
-      <p:grpSpPr/>
-      <p:sp>
-        <p:nvSpPr>
-          <p:cNvPr id="2" name="Rectangle 1"/>
-          <p:cNvSpPr/>
-          <p:nvPr/>
-        </p:nvSpPr>
-        <p:spPr>
-          <a:xfrm>
-            <a:off x="0" y="0"/>
-            <a:ext cx="9144000" cy="548640"/>
-          </a:xfrm>
-          <a:prstGeom prst="rect">
-            <a:avLst/>
-          </a:prstGeom>
-          <a:solidFill>
-            <a:srgbClr val="003366"/>
-          </a:solidFill>
-        </p:spPr>
-        <p:style>
-          <a:lnRef idx="1">
-            <a:schemeClr val="accent1"/>
-          </a:lnRef>
-          <a:fillRef idx="3">
-            <a:schemeClr val="accent1"/>
-          </a:fillRef>
-          <a:effectRef idx="2">
-            <a:schemeClr val="accent1"/>
-          </a:effectRef>
-          <a:fontRef idx="minor">
-            <a:schemeClr val="lt1"/>
-          </a:fontRef>
-        </p:style>
-        <p:txBody>
-          <a:bodyPr rtlCol="0" anchor="ctr"/>
-          <a:lstStyle/>
-          <a:p>
-            <a:pPr>
-              <a:defRPr b="1" sz="2000">
-                <a:solidFill>
-                  <a:srgbClr val="FFFFFF"/>
-                </a:solidFill>
-              </a:defRPr>
-            </a:pPr>
-            <a:r>
-              <a:t>  Governance</a:t>
-            </a:r>
-          </a:p>
-        </p:txBody>
-      </p:sp>
-      <p:sp>
-        <p:nvSpPr>
-          <p:cNvPr id="3" name="TextBox 2"/>
-          <p:cNvSpPr txBox="1"/>
-          <p:nvPr/>
-        </p:nvSpPr>
-        <p:spPr>
-          <a:xfrm>
-            <a:off x="457200" y="914400"/>
-            <a:ext cx="8229600" cy="1828800"/>
-          </a:xfrm>
-          <a:prstGeom prst="rect">
-            <a:avLst/>
-          </a:prstGeom>
-          <a:noFill/>
-        </p:spPr>
-        <p:txBody>
-          <a:bodyPr wrap="square">
-            <a:spAutoFit/>
-          </a:bodyPr>
-          <a:lstStyle/>
-          <a:p>
-            <a:pPr>
-              <a:defRPr b="1" sz="1400"/>
-            </a:pPr>
-            <a:r>
-              <a:t>Summary Findings:</a:t>
-            </a:r>
-          </a:p>
-          <a:p>
-            <a:pPr>
-              <a:defRPr sz="1300"/>
-            </a:pPr>
-            <a:r>
-              <a:t>- After analyzing the provided text, I did not find any explicit mentions of potential conflicts of interest among stakeholders</a:t>
-            </a:r>
-          </a:p>
-          <a:p>
-            <a:pPr>
-              <a:defRPr sz="1300"/>
-            </a:pPr>
-            <a:r>
-              <a:t>- Yes, according to the text, there is information about the following people involved in the Cryptobazar Fund:</a:t>
-            </a:r>
-            <a:br/>
-            <a:br/>
-            <a:r>
-              <a:t>* Managing Partners: They are responsible for carrying out deals and transactions with as</a:t>
-            </a:r>
-          </a:p>
-          <a:p>
-            <a:pPr>
-              <a:defRPr sz="1300"/>
-            </a:pPr>
-            <a:r>
-              <a:t>- According to the text, the Managing Partners have decision-making power in the Fund</a:t>
-            </a:r>
-          </a:p>
-        </p:txBody>
-      </p:sp>
-      <p:sp>
-        <p:nvSpPr>
-          <p:cNvPr id="4" name="TextBox 3"/>
-          <p:cNvSpPr txBox="1"/>
-          <p:nvPr/>
-        </p:nvSpPr>
-        <p:spPr>
-          <a:xfrm>
-            <a:off x="457200" y="2926080"/>
-            <a:ext cx="8229600" cy="1371600"/>
-          </a:xfrm>
-          <a:prstGeom prst="rect">
-            <a:avLst/>
-          </a:prstGeom>
-          <a:noFill/>
-        </p:spPr>
-        <p:txBody>
-          <a:bodyPr wrap="square">
-            <a:spAutoFit/>
-          </a:bodyPr>
-          <a:lstStyle/>
-          <a:p>
-            <a:pPr>
-              <a:defRPr b="1" sz="1400"/>
-            </a:pPr>
-            <a:r>
-              <a:t>Key Issues / Missing Info:</a:t>
-            </a:r>
-          </a:p>
-          <a:p>
-            <a:pPr>
-              <a:defRPr sz="1300"/>
-            </a:pPr>
-            <a:r>
-              <a:t>- - What is the governance structure of the project?</a:t>
-            </a:r>
-          </a:p>
-          <a:p>
-            <a:pPr>
-              <a:defRPr sz="1300"/>
-            </a:pPr>
-            <a:r>
-              <a:t>- - What are the details of past funding rounds?</a:t>
-            </a:r>
-          </a:p>
-          <a:p>
-            <a:pPr>
-              <a:defRPr sz="1300"/>
-            </a:pPr>
-            <a:r>
-              <a:t>- - Who are the company's auditors and accountants?</a:t>
-            </a:r>
-          </a:p>
-        </p:txBody>
-      </p:sp>
-      <p:sp>
-        <p:nvSpPr>
-          <p:cNvPr id="5" name="TextBox 4"/>
-          <p:cNvSpPr txBox="1"/>
-          <p:nvPr/>
-        </p:nvSpPr>
-        <p:spPr>
-          <a:xfrm>
-            <a:off x="457200" y="4572000"/>
-            <a:ext cx="8229600" cy="731520"/>
-          </a:xfrm>
-          <a:prstGeom prst="rect">
-            <a:avLst/>
-          </a:prstGeom>
-          <a:noFill/>
-        </p:spPr>
-        <p:txBody>
-          <a:bodyPr wrap="square">
-            <a:spAutoFit/>
-          </a:bodyPr>
-          <a:lstStyle/>
-          <a:p>
-            <a:pPr>
-              <a:defRPr sz="1300" b="1"/>
-            </a:pPr>
-            <a:r>
-              <a:t>Risk Assessment: Low Risk</a:t>
-            </a:r>
-          </a:p>
-        </p:txBody>
-      </p:sp>
-      <p:sp>
-        <p:nvSpPr>
-          <p:cNvPr id="6" name="TextBox 5"/>
-          <p:cNvSpPr txBox="1"/>
-          <p:nvPr/>
-        </p:nvSpPr>
-        <p:spPr>
-          <a:xfrm>
-            <a:off x="4114800" y="6217920"/>
-            <a:ext cx="1828800" cy="274320"/>
-          </a:xfrm>
-          <a:prstGeom prst="rect">
-            <a:avLst/>
-          </a:prstGeom>
-          <a:noFill/>
-        </p:spPr>
-        <p:txBody>
-          <a:bodyPr wrap="none">
-            <a:spAutoFit/>
-          </a:bodyPr>
-          <a:lstStyle/>
-          <a:p>
-            <a:pPr>
-              <a:defRPr sz="1000">
-                <a:solidFill>
-                  <a:srgbClr val="646464"/>
-                </a:solidFill>
-              </a:defRPr>
-            </a:pPr>
-            <a:r>
-              <a:t>Page 9</a:t>
+              <a:defRPr sz="1000" b="1">
+                <a:solidFill>
+                  <a:srgbClr val="000000"/>
+                </a:solidFill>
+                <a:latin typeface="Montserrat"/>
+              </a:defRPr>
+            </a:pPr>
+            <a:r>
+              <a:t>Page 6</a:t>
             </a:r>
           </a:p>
         </p:txBody>
